--- a/presentations/pi_21_march_2023/presentations/PI21 ILF Presentation.pptx
+++ b/presentations/pi_21_march_2023/presentations/PI21 ILF Presentation.pptx
@@ -136,7 +136,7 @@
 <file path=ppt/revisionInfo.xml><?xml version="1.0" encoding="utf-8"?>
 <p1510:revInfo xmlns:a="http://schemas.openxmlformats.org/drawingml/2006/main" xmlns:r="http://schemas.openxmlformats.org/officeDocument/2006/relationships" xmlns:p1510="http://schemas.microsoft.com/office/powerpoint/2015/10/main">
   <p1510:revLst>
-    <p1510:client id="{4C173FFC-A3A8-4C1E-95C0-0F17D4951E80}" v="55" dt="2023-03-08T22:13:47.266"/>
+    <p1510:client id="{4C173FFC-A3A8-4C1E-95C0-0F17D4951E80}" v="119" dt="2023-03-09T08:44:23.735"/>
   </p1510:revLst>
 </p1510:revInfo>
 </file>
@@ -146,7 +146,7 @@
   <pc:docChgLst>
     <pc:chgData name="Michael Richards" userId="6afda9a54147f31e" providerId="LiveId" clId="{4C173FFC-A3A8-4C1E-95C0-0F17D4951E80}"/>
     <pc:docChg chg="undo custSel addSld delSld modSld">
-      <pc:chgData name="Michael Richards" userId="6afda9a54147f31e" providerId="LiveId" clId="{4C173FFC-A3A8-4C1E-95C0-0F17D4951E80}" dt="2023-03-08T22:13:47.266" v="5457" actId="20577"/>
+      <pc:chgData name="Michael Richards" userId="6afda9a54147f31e" providerId="LiveId" clId="{4C173FFC-A3A8-4C1E-95C0-0F17D4951E80}" dt="2023-03-09T08:44:23.735" v="5521" actId="20577"/>
       <pc:docMkLst>
         <pc:docMk/>
       </pc:docMkLst>
@@ -181,7 +181,7 @@
         </pc:spChg>
       </pc:sldChg>
       <pc:sldChg chg="modSp mod modAnim">
-        <pc:chgData name="Michael Richards" userId="6afda9a54147f31e" providerId="LiveId" clId="{4C173FFC-A3A8-4C1E-95C0-0F17D4951E80}" dt="2023-03-08T14:20:16.678" v="3872"/>
+        <pc:chgData name="Michael Richards" userId="6afda9a54147f31e" providerId="LiveId" clId="{4C173FFC-A3A8-4C1E-95C0-0F17D4951E80}" dt="2023-03-09T08:42:08.985" v="5458"/>
         <pc:sldMkLst>
           <pc:docMk/>
           <pc:sldMk cId="561229006" sldId="259"/>
@@ -204,7 +204,7 @@
         </pc:spChg>
       </pc:sldChg>
       <pc:sldChg chg="modSp mod modAnim">
-        <pc:chgData name="Michael Richards" userId="6afda9a54147f31e" providerId="LiveId" clId="{4C173FFC-A3A8-4C1E-95C0-0F17D4951E80}" dt="2023-03-08T21:59:12.513" v="4545"/>
+        <pc:chgData name="Michael Richards" userId="6afda9a54147f31e" providerId="LiveId" clId="{4C173FFC-A3A8-4C1E-95C0-0F17D4951E80}" dt="2023-03-09T08:42:51.240" v="5461"/>
         <pc:sldMkLst>
           <pc:docMk/>
           <pc:sldMk cId="2183860606" sldId="260"/>
@@ -304,7 +304,7 @@
         </pc:spChg>
       </pc:sldChg>
       <pc:sldChg chg="addSp delSp modSp new mod delAnim modAnim">
-        <pc:chgData name="Michael Richards" userId="6afda9a54147f31e" providerId="LiveId" clId="{4C173FFC-A3A8-4C1E-95C0-0F17D4951E80}" dt="2023-03-08T17:30:03.269" v="3873" actId="1076"/>
+        <pc:chgData name="Michael Richards" userId="6afda9a54147f31e" providerId="LiveId" clId="{4C173FFC-A3A8-4C1E-95C0-0F17D4951E80}" dt="2023-03-09T08:42:26.872" v="5459"/>
         <pc:sldMkLst>
           <pc:docMk/>
           <pc:sldMk cId="2594084779" sldId="263"/>
@@ -439,7 +439,7 @@
         </pc:spChg>
       </pc:sldChg>
       <pc:sldChg chg="modSp add mod modAnim">
-        <pc:chgData name="Michael Richards" userId="6afda9a54147f31e" providerId="LiveId" clId="{4C173FFC-A3A8-4C1E-95C0-0F17D4951E80}" dt="2023-03-08T21:59:28.662" v="4547"/>
+        <pc:chgData name="Michael Richards" userId="6afda9a54147f31e" providerId="LiveId" clId="{4C173FFC-A3A8-4C1E-95C0-0F17D4951E80}" dt="2023-03-09T08:43:01.378" v="5462"/>
         <pc:sldMkLst>
           <pc:docMk/>
           <pc:sldMk cId="2058881030" sldId="264"/>
@@ -462,7 +462,7 @@
         </pc:spChg>
       </pc:sldChg>
       <pc:sldChg chg="modSp add mod modAnim">
-        <pc:chgData name="Michael Richards" userId="6afda9a54147f31e" providerId="LiveId" clId="{4C173FFC-A3A8-4C1E-95C0-0F17D4951E80}" dt="2023-03-08T21:59:45.607" v="4549"/>
+        <pc:chgData name="Michael Richards" userId="6afda9a54147f31e" providerId="LiveId" clId="{4C173FFC-A3A8-4C1E-95C0-0F17D4951E80}" dt="2023-03-09T08:43:09.146" v="5463"/>
         <pc:sldMkLst>
           <pc:docMk/>
           <pc:sldMk cId="3763012688" sldId="265"/>
@@ -485,7 +485,7 @@
         </pc:spChg>
       </pc:sldChg>
       <pc:sldChg chg="addSp delSp modSp new mod modAnim">
-        <pc:chgData name="Michael Richards" userId="6afda9a54147f31e" providerId="LiveId" clId="{4C173FFC-A3A8-4C1E-95C0-0F17D4951E80}" dt="2023-03-08T22:00:01.828" v="4551"/>
+        <pc:chgData name="Michael Richards" userId="6afda9a54147f31e" providerId="LiveId" clId="{4C173FFC-A3A8-4C1E-95C0-0F17D4951E80}" dt="2023-03-09T08:43:17.258" v="5464"/>
         <pc:sldMkLst>
           <pc:docMk/>
           <pc:sldMk cId="971145003" sldId="266"/>
@@ -584,7 +584,7 @@
         </pc:spChg>
       </pc:sldChg>
       <pc:sldChg chg="modSp new mod modAnim">
-        <pc:chgData name="Michael Richards" userId="6afda9a54147f31e" providerId="LiveId" clId="{4C173FFC-A3A8-4C1E-95C0-0F17D4951E80}" dt="2023-03-08T22:12:28.250" v="5454"/>
+        <pc:chgData name="Michael Richards" userId="6afda9a54147f31e" providerId="LiveId" clId="{4C173FFC-A3A8-4C1E-95C0-0F17D4951E80}" dt="2023-03-09T08:43:28.025" v="5465"/>
         <pc:sldMkLst>
           <pc:docMk/>
           <pc:sldMk cId="975151507" sldId="272"/>
@@ -607,7 +607,7 @@
         </pc:spChg>
       </pc:sldChg>
       <pc:sldChg chg="addSp delSp modSp new mod modAnim">
-        <pc:chgData name="Michael Richards" userId="6afda9a54147f31e" providerId="LiveId" clId="{4C173FFC-A3A8-4C1E-95C0-0F17D4951E80}" dt="2023-03-08T21:58:46.212" v="4543"/>
+        <pc:chgData name="Michael Richards" userId="6afda9a54147f31e" providerId="LiveId" clId="{4C173FFC-A3A8-4C1E-95C0-0F17D4951E80}" dt="2023-03-09T08:42:43.640" v="5460"/>
         <pc:sldMkLst>
           <pc:docMk/>
           <pc:sldMk cId="2094704422" sldId="273"/>
@@ -646,7 +646,7 @@
         </pc:picChg>
       </pc:sldChg>
       <pc:sldChg chg="modSp new mod modAnim">
-        <pc:chgData name="Michael Richards" userId="6afda9a54147f31e" providerId="LiveId" clId="{4C173FFC-A3A8-4C1E-95C0-0F17D4951E80}" dt="2023-03-08T22:13:47.266" v="5457" actId="20577"/>
+        <pc:chgData name="Michael Richards" userId="6afda9a54147f31e" providerId="LiveId" clId="{4C173FFC-A3A8-4C1E-95C0-0F17D4951E80}" dt="2023-03-09T08:44:23.735" v="5521" actId="20577"/>
         <pc:sldMkLst>
           <pc:docMk/>
           <pc:sldMk cId="3583069034" sldId="274"/>
@@ -660,7 +660,7 @@
           </ac:spMkLst>
         </pc:spChg>
         <pc:spChg chg="mod">
-          <ac:chgData name="Michael Richards" userId="6afda9a54147f31e" providerId="LiveId" clId="{4C173FFC-A3A8-4C1E-95C0-0F17D4951E80}" dt="2023-03-08T22:13:47.266" v="5457" actId="20577"/>
+          <ac:chgData name="Michael Richards" userId="6afda9a54147f31e" providerId="LiveId" clId="{4C173FFC-A3A8-4C1E-95C0-0F17D4951E80}" dt="2023-03-09T08:44:23.735" v="5521" actId="20577"/>
           <ac:spMkLst>
             <pc:docMk/>
             <pc:sldMk cId="3583069034" sldId="274"/>
@@ -823,7 +823,7 @@
           <a:p>
             <a:fld id="{F43C7158-3EDA-D449-8D0F-DA0A67645948}" type="datetimeFigureOut">
               <a:rPr lang="en-US" smtClean="0"/>
-              <a:t>3/8/2023</a:t>
+              <a:t>3/9/2023</a:t>
             </a:fld>
             <a:endParaRPr lang="en-US"/>
           </a:p>
@@ -4909,618 +4909,6 @@
   <p:clrMapOvr>
     <a:masterClrMapping/>
   </p:clrMapOvr>
-  <p:timing>
-    <p:tnLst>
-      <p:par>
-        <p:cTn id="1" dur="indefinite" restart="never" nodeType="tmRoot">
-          <p:childTnLst>
-            <p:seq concurrent="1" nextAc="seek">
-              <p:cTn id="2" dur="indefinite" nodeType="mainSeq">
-                <p:childTnLst>
-                  <p:par>
-                    <p:cTn id="3" fill="hold">
-                      <p:stCondLst>
-                        <p:cond delay="indefinite"/>
-                      </p:stCondLst>
-                      <p:childTnLst>
-                        <p:par>
-                          <p:cTn id="4" fill="hold">
-                            <p:stCondLst>
-                              <p:cond delay="0"/>
-                            </p:stCondLst>
-                            <p:childTnLst>
-                              <p:par>
-                                <p:cTn id="5" presetID="1" presetClass="entr" presetSubtype="0" fill="hold" grpId="0" nodeType="clickEffect">
-                                  <p:stCondLst>
-                                    <p:cond delay="0"/>
-                                  </p:stCondLst>
-                                  <p:childTnLst>
-                                    <p:set>
-                                      <p:cBhvr>
-                                        <p:cTn id="6" dur="1" fill="hold">
-                                          <p:stCondLst>
-                                            <p:cond delay="0"/>
-                                          </p:stCondLst>
-                                        </p:cTn>
-                                        <p:tgtEl>
-                                          <p:spTgt spid="5"/>
-                                        </p:tgtEl>
-                                        <p:attrNameLst>
-                                          <p:attrName>style.visibility</p:attrName>
-                                        </p:attrNameLst>
-                                      </p:cBhvr>
-                                      <p:to>
-                                        <p:strVal val="visible"/>
-                                      </p:to>
-                                    </p:set>
-                                  </p:childTnLst>
-                                </p:cTn>
-                              </p:par>
-                            </p:childTnLst>
-                          </p:cTn>
-                        </p:par>
-                      </p:childTnLst>
-                    </p:cTn>
-                  </p:par>
-                  <p:par>
-                    <p:cTn id="7" fill="hold">
-                      <p:stCondLst>
-                        <p:cond delay="indefinite"/>
-                      </p:stCondLst>
-                      <p:childTnLst>
-                        <p:par>
-                          <p:cTn id="8" fill="hold">
-                            <p:stCondLst>
-                              <p:cond delay="0"/>
-                            </p:stCondLst>
-                            <p:childTnLst>
-                              <p:par>
-                                <p:cTn id="9" presetID="1" presetClass="entr" presetSubtype="0" fill="hold" grpId="0" nodeType="clickEffect">
-                                  <p:stCondLst>
-                                    <p:cond delay="0"/>
-                                  </p:stCondLst>
-                                  <p:childTnLst>
-                                    <p:set>
-                                      <p:cBhvr>
-                                        <p:cTn id="10" dur="1" fill="hold">
-                                          <p:stCondLst>
-                                            <p:cond delay="0"/>
-                                          </p:stCondLst>
-                                        </p:cTn>
-                                        <p:tgtEl>
-                                          <p:spTgt spid="6"/>
-                                        </p:tgtEl>
-                                        <p:attrNameLst>
-                                          <p:attrName>style.visibility</p:attrName>
-                                        </p:attrNameLst>
-                                      </p:cBhvr>
-                                      <p:to>
-                                        <p:strVal val="visible"/>
-                                      </p:to>
-                                    </p:set>
-                                  </p:childTnLst>
-                                </p:cTn>
-                              </p:par>
-                            </p:childTnLst>
-                          </p:cTn>
-                        </p:par>
-                      </p:childTnLst>
-                    </p:cTn>
-                  </p:par>
-                  <p:par>
-                    <p:cTn id="11" fill="hold">
-                      <p:stCondLst>
-                        <p:cond delay="indefinite"/>
-                      </p:stCondLst>
-                      <p:childTnLst>
-                        <p:par>
-                          <p:cTn id="12" fill="hold">
-                            <p:stCondLst>
-                              <p:cond delay="0"/>
-                            </p:stCondLst>
-                            <p:childTnLst>
-                              <p:par>
-                                <p:cTn id="13" presetID="1" presetClass="entr" presetSubtype="0" fill="hold" grpId="0" nodeType="clickEffect">
-                                  <p:stCondLst>
-                                    <p:cond delay="0"/>
-                                  </p:stCondLst>
-                                  <p:childTnLst>
-                                    <p:set>
-                                      <p:cBhvr>
-                                        <p:cTn id="14" dur="1" fill="hold">
-                                          <p:stCondLst>
-                                            <p:cond delay="0"/>
-                                          </p:stCondLst>
-                                        </p:cTn>
-                                        <p:tgtEl>
-                                          <p:spTgt spid="18"/>
-                                        </p:tgtEl>
-                                        <p:attrNameLst>
-                                          <p:attrName>style.visibility</p:attrName>
-                                        </p:attrNameLst>
-                                      </p:cBhvr>
-                                      <p:to>
-                                        <p:strVal val="visible"/>
-                                      </p:to>
-                                    </p:set>
-                                  </p:childTnLst>
-                                </p:cTn>
-                              </p:par>
-                            </p:childTnLst>
-                          </p:cTn>
-                        </p:par>
-                      </p:childTnLst>
-                    </p:cTn>
-                  </p:par>
-                  <p:par>
-                    <p:cTn id="15" fill="hold">
-                      <p:stCondLst>
-                        <p:cond delay="indefinite"/>
-                      </p:stCondLst>
-                      <p:childTnLst>
-                        <p:par>
-                          <p:cTn id="16" fill="hold">
-                            <p:stCondLst>
-                              <p:cond delay="0"/>
-                            </p:stCondLst>
-                            <p:childTnLst>
-                              <p:par>
-                                <p:cTn id="17" presetID="1" presetClass="entr" presetSubtype="0" fill="hold" grpId="0" nodeType="clickEffect">
-                                  <p:stCondLst>
-                                    <p:cond delay="0"/>
-                                  </p:stCondLst>
-                                  <p:childTnLst>
-                                    <p:set>
-                                      <p:cBhvr>
-                                        <p:cTn id="18" dur="1" fill="hold">
-                                          <p:stCondLst>
-                                            <p:cond delay="0"/>
-                                          </p:stCondLst>
-                                        </p:cTn>
-                                        <p:tgtEl>
-                                          <p:spTgt spid="7"/>
-                                        </p:tgtEl>
-                                        <p:attrNameLst>
-                                          <p:attrName>style.visibility</p:attrName>
-                                        </p:attrNameLst>
-                                      </p:cBhvr>
-                                      <p:to>
-                                        <p:strVal val="visible"/>
-                                      </p:to>
-                                    </p:set>
-                                  </p:childTnLst>
-                                </p:cTn>
-                              </p:par>
-                            </p:childTnLst>
-                          </p:cTn>
-                        </p:par>
-                      </p:childTnLst>
-                    </p:cTn>
-                  </p:par>
-                  <p:par>
-                    <p:cTn id="19" fill="hold">
-                      <p:stCondLst>
-                        <p:cond delay="indefinite"/>
-                      </p:stCondLst>
-                      <p:childTnLst>
-                        <p:par>
-                          <p:cTn id="20" fill="hold">
-                            <p:stCondLst>
-                              <p:cond delay="0"/>
-                            </p:stCondLst>
-                            <p:childTnLst>
-                              <p:par>
-                                <p:cTn id="21" presetID="1" presetClass="entr" presetSubtype="0" fill="hold" grpId="0" nodeType="clickEffect">
-                                  <p:stCondLst>
-                                    <p:cond delay="0"/>
-                                  </p:stCondLst>
-                                  <p:childTnLst>
-                                    <p:set>
-                                      <p:cBhvr>
-                                        <p:cTn id="22" dur="1" fill="hold">
-                                          <p:stCondLst>
-                                            <p:cond delay="0"/>
-                                          </p:stCondLst>
-                                        </p:cTn>
-                                        <p:tgtEl>
-                                          <p:spTgt spid="8"/>
-                                        </p:tgtEl>
-                                        <p:attrNameLst>
-                                          <p:attrName>style.visibility</p:attrName>
-                                        </p:attrNameLst>
-                                      </p:cBhvr>
-                                      <p:to>
-                                        <p:strVal val="visible"/>
-                                      </p:to>
-                                    </p:set>
-                                  </p:childTnLst>
-                                </p:cTn>
-                              </p:par>
-                            </p:childTnLst>
-                          </p:cTn>
-                        </p:par>
-                      </p:childTnLst>
-                    </p:cTn>
-                  </p:par>
-                  <p:par>
-                    <p:cTn id="23" fill="hold">
-                      <p:stCondLst>
-                        <p:cond delay="indefinite"/>
-                      </p:stCondLst>
-                      <p:childTnLst>
-                        <p:par>
-                          <p:cTn id="24" fill="hold">
-                            <p:stCondLst>
-                              <p:cond delay="0"/>
-                            </p:stCondLst>
-                            <p:childTnLst>
-                              <p:par>
-                                <p:cTn id="25" presetID="1" presetClass="entr" presetSubtype="0" fill="hold" grpId="0" nodeType="clickEffect">
-                                  <p:stCondLst>
-                                    <p:cond delay="0"/>
-                                  </p:stCondLst>
-                                  <p:childTnLst>
-                                    <p:set>
-                                      <p:cBhvr>
-                                        <p:cTn id="26" dur="1" fill="hold">
-                                          <p:stCondLst>
-                                            <p:cond delay="0"/>
-                                          </p:stCondLst>
-                                        </p:cTn>
-                                        <p:tgtEl>
-                                          <p:spTgt spid="9"/>
-                                        </p:tgtEl>
-                                        <p:attrNameLst>
-                                          <p:attrName>style.visibility</p:attrName>
-                                        </p:attrNameLst>
-                                      </p:cBhvr>
-                                      <p:to>
-                                        <p:strVal val="visible"/>
-                                      </p:to>
-                                    </p:set>
-                                  </p:childTnLst>
-                                </p:cTn>
-                              </p:par>
-                            </p:childTnLst>
-                          </p:cTn>
-                        </p:par>
-                      </p:childTnLst>
-                    </p:cTn>
-                  </p:par>
-                  <p:par>
-                    <p:cTn id="27" fill="hold">
-                      <p:stCondLst>
-                        <p:cond delay="indefinite"/>
-                      </p:stCondLst>
-                      <p:childTnLst>
-                        <p:par>
-                          <p:cTn id="28" fill="hold">
-                            <p:stCondLst>
-                              <p:cond delay="0"/>
-                            </p:stCondLst>
-                            <p:childTnLst>
-                              <p:par>
-                                <p:cTn id="29" presetID="1" presetClass="entr" presetSubtype="0" fill="hold" grpId="0" nodeType="clickEffect">
-                                  <p:stCondLst>
-                                    <p:cond delay="0"/>
-                                  </p:stCondLst>
-                                  <p:childTnLst>
-                                    <p:set>
-                                      <p:cBhvr>
-                                        <p:cTn id="30" dur="1" fill="hold">
-                                          <p:stCondLst>
-                                            <p:cond delay="0"/>
-                                          </p:stCondLst>
-                                        </p:cTn>
-                                        <p:tgtEl>
-                                          <p:spTgt spid="10"/>
-                                        </p:tgtEl>
-                                        <p:attrNameLst>
-                                          <p:attrName>style.visibility</p:attrName>
-                                        </p:attrNameLst>
-                                      </p:cBhvr>
-                                      <p:to>
-                                        <p:strVal val="visible"/>
-                                      </p:to>
-                                    </p:set>
-                                  </p:childTnLst>
-                                </p:cTn>
-                              </p:par>
-                            </p:childTnLst>
-                          </p:cTn>
-                        </p:par>
-                      </p:childTnLst>
-                    </p:cTn>
-                  </p:par>
-                  <p:par>
-                    <p:cTn id="31" fill="hold">
-                      <p:stCondLst>
-                        <p:cond delay="indefinite"/>
-                      </p:stCondLst>
-                      <p:childTnLst>
-                        <p:par>
-                          <p:cTn id="32" fill="hold">
-                            <p:stCondLst>
-                              <p:cond delay="0"/>
-                            </p:stCondLst>
-                            <p:childTnLst>
-                              <p:par>
-                                <p:cTn id="33" presetID="1" presetClass="entr" presetSubtype="0" fill="hold" grpId="0" nodeType="clickEffect">
-                                  <p:stCondLst>
-                                    <p:cond delay="0"/>
-                                  </p:stCondLst>
-                                  <p:childTnLst>
-                                    <p:set>
-                                      <p:cBhvr>
-                                        <p:cTn id="34" dur="1" fill="hold">
-                                          <p:stCondLst>
-                                            <p:cond delay="0"/>
-                                          </p:stCondLst>
-                                        </p:cTn>
-                                        <p:tgtEl>
-                                          <p:spTgt spid="14"/>
-                                        </p:tgtEl>
-                                        <p:attrNameLst>
-                                          <p:attrName>style.visibility</p:attrName>
-                                        </p:attrNameLst>
-                                      </p:cBhvr>
-                                      <p:to>
-                                        <p:strVal val="visible"/>
-                                      </p:to>
-                                    </p:set>
-                                  </p:childTnLst>
-                                </p:cTn>
-                              </p:par>
-                            </p:childTnLst>
-                          </p:cTn>
-                        </p:par>
-                      </p:childTnLst>
-                    </p:cTn>
-                  </p:par>
-                  <p:par>
-                    <p:cTn id="35" fill="hold">
-                      <p:stCondLst>
-                        <p:cond delay="indefinite"/>
-                      </p:stCondLst>
-                      <p:childTnLst>
-                        <p:par>
-                          <p:cTn id="36" fill="hold">
-                            <p:stCondLst>
-                              <p:cond delay="0"/>
-                            </p:stCondLst>
-                            <p:childTnLst>
-                              <p:par>
-                                <p:cTn id="37" presetID="1" presetClass="entr" presetSubtype="0" fill="hold" grpId="0" nodeType="clickEffect">
-                                  <p:stCondLst>
-                                    <p:cond delay="0"/>
-                                  </p:stCondLst>
-                                  <p:childTnLst>
-                                    <p:set>
-                                      <p:cBhvr>
-                                        <p:cTn id="38" dur="1" fill="hold">
-                                          <p:stCondLst>
-                                            <p:cond delay="0"/>
-                                          </p:stCondLst>
-                                        </p:cTn>
-                                        <p:tgtEl>
-                                          <p:spTgt spid="13"/>
-                                        </p:tgtEl>
-                                        <p:attrNameLst>
-                                          <p:attrName>style.visibility</p:attrName>
-                                        </p:attrNameLst>
-                                      </p:cBhvr>
-                                      <p:to>
-                                        <p:strVal val="visible"/>
-                                      </p:to>
-                                    </p:set>
-                                  </p:childTnLst>
-                                </p:cTn>
-                              </p:par>
-                            </p:childTnLst>
-                          </p:cTn>
-                        </p:par>
-                      </p:childTnLst>
-                    </p:cTn>
-                  </p:par>
-                  <p:par>
-                    <p:cTn id="39" fill="hold">
-                      <p:stCondLst>
-                        <p:cond delay="indefinite"/>
-                      </p:stCondLst>
-                      <p:childTnLst>
-                        <p:par>
-                          <p:cTn id="40" fill="hold">
-                            <p:stCondLst>
-                              <p:cond delay="0"/>
-                            </p:stCondLst>
-                            <p:childTnLst>
-                              <p:par>
-                                <p:cTn id="41" presetID="1" presetClass="entr" presetSubtype="0" fill="hold" grpId="0" nodeType="clickEffect">
-                                  <p:stCondLst>
-                                    <p:cond delay="0"/>
-                                  </p:stCondLst>
-                                  <p:childTnLst>
-                                    <p:set>
-                                      <p:cBhvr>
-                                        <p:cTn id="42" dur="1" fill="hold">
-                                          <p:stCondLst>
-                                            <p:cond delay="0"/>
-                                          </p:stCondLst>
-                                        </p:cTn>
-                                        <p:tgtEl>
-                                          <p:spTgt spid="15"/>
-                                        </p:tgtEl>
-                                        <p:attrNameLst>
-                                          <p:attrName>style.visibility</p:attrName>
-                                        </p:attrNameLst>
-                                      </p:cBhvr>
-                                      <p:to>
-                                        <p:strVal val="visible"/>
-                                      </p:to>
-                                    </p:set>
-                                  </p:childTnLst>
-                                </p:cTn>
-                              </p:par>
-                            </p:childTnLst>
-                          </p:cTn>
-                        </p:par>
-                      </p:childTnLst>
-                    </p:cTn>
-                  </p:par>
-                  <p:par>
-                    <p:cTn id="43" fill="hold">
-                      <p:stCondLst>
-                        <p:cond delay="indefinite"/>
-                      </p:stCondLst>
-                      <p:childTnLst>
-                        <p:par>
-                          <p:cTn id="44" fill="hold">
-                            <p:stCondLst>
-                              <p:cond delay="0"/>
-                            </p:stCondLst>
-                            <p:childTnLst>
-                              <p:par>
-                                <p:cTn id="45" presetID="1" presetClass="entr" presetSubtype="0" fill="hold" grpId="0" nodeType="clickEffect">
-                                  <p:stCondLst>
-                                    <p:cond delay="0"/>
-                                  </p:stCondLst>
-                                  <p:childTnLst>
-                                    <p:set>
-                                      <p:cBhvr>
-                                        <p:cTn id="46" dur="1" fill="hold">
-                                          <p:stCondLst>
-                                            <p:cond delay="0"/>
-                                          </p:stCondLst>
-                                        </p:cTn>
-                                        <p:tgtEl>
-                                          <p:spTgt spid="17"/>
-                                        </p:tgtEl>
-                                        <p:attrNameLst>
-                                          <p:attrName>style.visibility</p:attrName>
-                                        </p:attrNameLst>
-                                      </p:cBhvr>
-                                      <p:to>
-                                        <p:strVal val="visible"/>
-                                      </p:to>
-                                    </p:set>
-                                  </p:childTnLst>
-                                </p:cTn>
-                              </p:par>
-                            </p:childTnLst>
-                          </p:cTn>
-                        </p:par>
-                      </p:childTnLst>
-                    </p:cTn>
-                  </p:par>
-                  <p:par>
-                    <p:cTn id="47" fill="hold">
-                      <p:stCondLst>
-                        <p:cond delay="indefinite"/>
-                      </p:stCondLst>
-                      <p:childTnLst>
-                        <p:par>
-                          <p:cTn id="48" fill="hold">
-                            <p:stCondLst>
-                              <p:cond delay="0"/>
-                            </p:stCondLst>
-                            <p:childTnLst>
-                              <p:par>
-                                <p:cTn id="49" presetID="1" presetClass="entr" presetSubtype="0" fill="hold" grpId="0" nodeType="clickEffect">
-                                  <p:stCondLst>
-                                    <p:cond delay="0"/>
-                                  </p:stCondLst>
-                                  <p:childTnLst>
-                                    <p:set>
-                                      <p:cBhvr>
-                                        <p:cTn id="50" dur="1" fill="hold">
-                                          <p:stCondLst>
-                                            <p:cond delay="0"/>
-                                          </p:stCondLst>
-                                        </p:cTn>
-                                        <p:tgtEl>
-                                          <p:spTgt spid="16"/>
-                                        </p:tgtEl>
-                                        <p:attrNameLst>
-                                          <p:attrName>style.visibility</p:attrName>
-                                        </p:attrNameLst>
-                                      </p:cBhvr>
-                                      <p:to>
-                                        <p:strVal val="visible"/>
-                                      </p:to>
-                                    </p:set>
-                                  </p:childTnLst>
-                                </p:cTn>
-                              </p:par>
-                              <p:par>
-                                <p:cTn id="51" presetID="1" presetClass="entr" presetSubtype="0" fill="hold" grpId="0" nodeType="withEffect">
-                                  <p:stCondLst>
-                                    <p:cond delay="0"/>
-                                  </p:stCondLst>
-                                  <p:childTnLst>
-                                    <p:set>
-                                      <p:cBhvr>
-                                        <p:cTn id="52" dur="1" fill="hold">
-                                          <p:stCondLst>
-                                            <p:cond delay="0"/>
-                                          </p:stCondLst>
-                                        </p:cTn>
-                                        <p:tgtEl>
-                                          <p:spTgt spid="11"/>
-                                        </p:tgtEl>
-                                        <p:attrNameLst>
-                                          <p:attrName>style.visibility</p:attrName>
-                                        </p:attrNameLst>
-                                      </p:cBhvr>
-                                      <p:to>
-                                        <p:strVal val="visible"/>
-                                      </p:to>
-                                    </p:set>
-                                  </p:childTnLst>
-                                </p:cTn>
-                              </p:par>
-                            </p:childTnLst>
-                          </p:cTn>
-                        </p:par>
-                      </p:childTnLst>
-                    </p:cTn>
-                  </p:par>
-                </p:childTnLst>
-              </p:cTn>
-              <p:prevCondLst>
-                <p:cond evt="onPrev" delay="0">
-                  <p:tgtEl>
-                    <p:sldTgt/>
-                  </p:tgtEl>
-                </p:cond>
-              </p:prevCondLst>
-              <p:nextCondLst>
-                <p:cond evt="onNext" delay="0">
-                  <p:tgtEl>
-                    <p:sldTgt/>
-                  </p:tgtEl>
-                </p:cond>
-              </p:nextCondLst>
-            </p:seq>
-          </p:childTnLst>
-        </p:cTn>
-      </p:par>
-    </p:tnLst>
-    <p:bldLst>
-      <p:bldP spid="18" grpId="0" animBg="1"/>
-      <p:bldP spid="5" grpId="0" animBg="1"/>
-      <p:bldP spid="6" grpId="0" animBg="1"/>
-      <p:bldP spid="7" grpId="0" animBg="1"/>
-      <p:bldP spid="8" grpId="0" animBg="1"/>
-      <p:bldP spid="9" grpId="0" animBg="1"/>
-      <p:bldP spid="10" grpId="0" animBg="1"/>
-      <p:bldP spid="11" grpId="0" animBg="1"/>
-      <p:bldP spid="13" grpId="0" animBg="1"/>
-      <p:bldP spid="14" grpId="0" animBg="1"/>
-      <p:bldP spid="15" grpId="0" animBg="1"/>
-      <p:bldP spid="16" grpId="0" animBg="1"/>
-      <p:bldP spid="17" grpId="0" animBg="1"/>
-    </p:bldLst>
-  </p:timing>
 </p:sld>
 </file>
 
@@ -5676,85 +5064,6 @@
   <p:clrMapOvr>
     <a:masterClrMapping/>
   </p:clrMapOvr>
-  <p:timing>
-    <p:tnLst>
-      <p:par>
-        <p:cTn id="1" dur="indefinite" restart="never" nodeType="tmRoot">
-          <p:childTnLst>
-            <p:seq concurrent="1" nextAc="seek">
-              <p:cTn id="2" dur="indefinite" nodeType="mainSeq">
-                <p:childTnLst>
-                  <p:par>
-                    <p:cTn id="3" fill="hold">
-                      <p:stCondLst>
-                        <p:cond delay="indefinite"/>
-                      </p:stCondLst>
-                      <p:childTnLst>
-                        <p:par>
-                          <p:cTn id="4" fill="hold">
-                            <p:stCondLst>
-                              <p:cond delay="0"/>
-                            </p:stCondLst>
-                            <p:childTnLst>
-                              <p:par>
-                                <p:cTn id="5" presetID="1" presetClass="entr" presetSubtype="0" fill="hold" nodeType="clickEffect">
-                                  <p:stCondLst>
-                                    <p:cond delay="0"/>
-                                  </p:stCondLst>
-                                  <p:childTnLst>
-                                    <p:set>
-                                      <p:cBhvr>
-                                        <p:cTn id="6" dur="1" fill="hold">
-                                          <p:stCondLst>
-                                            <p:cond delay="0"/>
-                                          </p:stCondLst>
-                                        </p:cTn>
-                                        <p:tgtEl>
-                                          <p:spTgt spid="6">
-                                            <p:txEl>
-                                              <p:pRg st="0" end="0"/>
-                                            </p:txEl>
-                                          </p:spTgt>
-                                        </p:tgtEl>
-                                        <p:attrNameLst>
-                                          <p:attrName>style.visibility</p:attrName>
-                                        </p:attrNameLst>
-                                      </p:cBhvr>
-                                      <p:to>
-                                        <p:strVal val="visible"/>
-                                      </p:to>
-                                    </p:set>
-                                  </p:childTnLst>
-                                </p:cTn>
-                              </p:par>
-                            </p:childTnLst>
-                          </p:cTn>
-                        </p:par>
-                      </p:childTnLst>
-                    </p:cTn>
-                  </p:par>
-                </p:childTnLst>
-              </p:cTn>
-              <p:prevCondLst>
-                <p:cond evt="onPrev" delay="0">
-                  <p:tgtEl>
-                    <p:sldTgt/>
-                  </p:tgtEl>
-                </p:cond>
-              </p:prevCondLst>
-              <p:nextCondLst>
-                <p:cond evt="onNext" delay="0">
-                  <p:tgtEl>
-                    <p:sldTgt/>
-                  </p:tgtEl>
-                </p:cond>
-              </p:nextCondLst>
-            </p:seq>
-          </p:childTnLst>
-        </p:cTn>
-      </p:par>
-    </p:tnLst>
-  </p:timing>
 </p:sld>
 </file>
 
@@ -5913,330 +5222,6 @@
   <p:clrMapOvr>
     <a:masterClrMapping/>
   </p:clrMapOvr>
-  <p:timing>
-    <p:tnLst>
-      <p:par>
-        <p:cTn id="1" dur="indefinite" restart="never" nodeType="tmRoot">
-          <p:childTnLst>
-            <p:seq concurrent="1" nextAc="seek">
-              <p:cTn id="2" dur="indefinite" nodeType="mainSeq">
-                <p:childTnLst>
-                  <p:par>
-                    <p:cTn id="3" fill="hold">
-                      <p:stCondLst>
-                        <p:cond delay="indefinite"/>
-                      </p:stCondLst>
-                      <p:childTnLst>
-                        <p:par>
-                          <p:cTn id="4" fill="hold">
-                            <p:stCondLst>
-                              <p:cond delay="0"/>
-                            </p:stCondLst>
-                            <p:childTnLst>
-                              <p:par>
-                                <p:cTn id="5" presetID="1" presetClass="entr" presetSubtype="0" fill="hold" nodeType="clickEffect">
-                                  <p:stCondLst>
-                                    <p:cond delay="0"/>
-                                  </p:stCondLst>
-                                  <p:childTnLst>
-                                    <p:set>
-                                      <p:cBhvr>
-                                        <p:cTn id="6" dur="1" fill="hold">
-                                          <p:stCondLst>
-                                            <p:cond delay="0"/>
-                                          </p:stCondLst>
-                                        </p:cTn>
-                                        <p:tgtEl>
-                                          <p:spTgt spid="3">
-                                            <p:txEl>
-                                              <p:pRg st="0" end="0"/>
-                                            </p:txEl>
-                                          </p:spTgt>
-                                        </p:tgtEl>
-                                        <p:attrNameLst>
-                                          <p:attrName>style.visibility</p:attrName>
-                                        </p:attrNameLst>
-                                      </p:cBhvr>
-                                      <p:to>
-                                        <p:strVal val="visible"/>
-                                      </p:to>
-                                    </p:set>
-                                  </p:childTnLst>
-                                </p:cTn>
-                              </p:par>
-                            </p:childTnLst>
-                          </p:cTn>
-                        </p:par>
-                      </p:childTnLst>
-                    </p:cTn>
-                  </p:par>
-                  <p:par>
-                    <p:cTn id="7" fill="hold">
-                      <p:stCondLst>
-                        <p:cond delay="indefinite"/>
-                      </p:stCondLst>
-                      <p:childTnLst>
-                        <p:par>
-                          <p:cTn id="8" fill="hold">
-                            <p:stCondLst>
-                              <p:cond delay="0"/>
-                            </p:stCondLst>
-                            <p:childTnLst>
-                              <p:par>
-                                <p:cTn id="9" presetID="1" presetClass="entr" presetSubtype="0" fill="hold" nodeType="clickEffect">
-                                  <p:stCondLst>
-                                    <p:cond delay="0"/>
-                                  </p:stCondLst>
-                                  <p:childTnLst>
-                                    <p:set>
-                                      <p:cBhvr>
-                                        <p:cTn id="10" dur="1" fill="hold">
-                                          <p:stCondLst>
-                                            <p:cond delay="0"/>
-                                          </p:stCondLst>
-                                        </p:cTn>
-                                        <p:tgtEl>
-                                          <p:spTgt spid="3">
-                                            <p:txEl>
-                                              <p:pRg st="1" end="1"/>
-                                            </p:txEl>
-                                          </p:spTgt>
-                                        </p:tgtEl>
-                                        <p:attrNameLst>
-                                          <p:attrName>style.visibility</p:attrName>
-                                        </p:attrNameLst>
-                                      </p:cBhvr>
-                                      <p:to>
-                                        <p:strVal val="visible"/>
-                                      </p:to>
-                                    </p:set>
-                                  </p:childTnLst>
-                                </p:cTn>
-                              </p:par>
-                            </p:childTnLst>
-                          </p:cTn>
-                        </p:par>
-                      </p:childTnLst>
-                    </p:cTn>
-                  </p:par>
-                  <p:par>
-                    <p:cTn id="11" fill="hold">
-                      <p:stCondLst>
-                        <p:cond delay="indefinite"/>
-                      </p:stCondLst>
-                      <p:childTnLst>
-                        <p:par>
-                          <p:cTn id="12" fill="hold">
-                            <p:stCondLst>
-                              <p:cond delay="0"/>
-                            </p:stCondLst>
-                            <p:childTnLst>
-                              <p:par>
-                                <p:cTn id="13" presetID="1" presetClass="entr" presetSubtype="0" fill="hold" nodeType="clickEffect">
-                                  <p:stCondLst>
-                                    <p:cond delay="0"/>
-                                  </p:stCondLst>
-                                  <p:childTnLst>
-                                    <p:set>
-                                      <p:cBhvr>
-                                        <p:cTn id="14" dur="1" fill="hold">
-                                          <p:stCondLst>
-                                            <p:cond delay="0"/>
-                                          </p:stCondLst>
-                                        </p:cTn>
-                                        <p:tgtEl>
-                                          <p:spTgt spid="3">
-                                            <p:txEl>
-                                              <p:pRg st="2" end="2"/>
-                                            </p:txEl>
-                                          </p:spTgt>
-                                        </p:tgtEl>
-                                        <p:attrNameLst>
-                                          <p:attrName>style.visibility</p:attrName>
-                                        </p:attrNameLst>
-                                      </p:cBhvr>
-                                      <p:to>
-                                        <p:strVal val="visible"/>
-                                      </p:to>
-                                    </p:set>
-                                  </p:childTnLst>
-                                </p:cTn>
-                              </p:par>
-                            </p:childTnLst>
-                          </p:cTn>
-                        </p:par>
-                      </p:childTnLst>
-                    </p:cTn>
-                  </p:par>
-                  <p:par>
-                    <p:cTn id="15" fill="hold">
-                      <p:stCondLst>
-                        <p:cond delay="indefinite"/>
-                      </p:stCondLst>
-                      <p:childTnLst>
-                        <p:par>
-                          <p:cTn id="16" fill="hold">
-                            <p:stCondLst>
-                              <p:cond delay="0"/>
-                            </p:stCondLst>
-                            <p:childTnLst>
-                              <p:par>
-                                <p:cTn id="17" presetID="1" presetClass="entr" presetSubtype="0" fill="hold" nodeType="clickEffect">
-                                  <p:stCondLst>
-                                    <p:cond delay="0"/>
-                                  </p:stCondLst>
-                                  <p:childTnLst>
-                                    <p:set>
-                                      <p:cBhvr>
-                                        <p:cTn id="18" dur="1" fill="hold">
-                                          <p:stCondLst>
-                                            <p:cond delay="0"/>
-                                          </p:stCondLst>
-                                        </p:cTn>
-                                        <p:tgtEl>
-                                          <p:spTgt spid="3">
-                                            <p:txEl>
-                                              <p:pRg st="3" end="3"/>
-                                            </p:txEl>
-                                          </p:spTgt>
-                                        </p:tgtEl>
-                                        <p:attrNameLst>
-                                          <p:attrName>style.visibility</p:attrName>
-                                        </p:attrNameLst>
-                                      </p:cBhvr>
-                                      <p:to>
-                                        <p:strVal val="visible"/>
-                                      </p:to>
-                                    </p:set>
-                                  </p:childTnLst>
-                                </p:cTn>
-                              </p:par>
-                            </p:childTnLst>
-                          </p:cTn>
-                        </p:par>
-                      </p:childTnLst>
-                    </p:cTn>
-                  </p:par>
-                  <p:par>
-                    <p:cTn id="19" fill="hold">
-                      <p:stCondLst>
-                        <p:cond delay="indefinite"/>
-                      </p:stCondLst>
-                      <p:childTnLst>
-                        <p:par>
-                          <p:cTn id="20" fill="hold">
-                            <p:stCondLst>
-                              <p:cond delay="0"/>
-                            </p:stCondLst>
-                            <p:childTnLst>
-                              <p:par>
-                                <p:cTn id="21" presetID="1" presetClass="entr" presetSubtype="0" fill="hold" nodeType="clickEffect">
-                                  <p:stCondLst>
-                                    <p:cond delay="0"/>
-                                  </p:stCondLst>
-                                  <p:childTnLst>
-                                    <p:set>
-                                      <p:cBhvr>
-                                        <p:cTn id="22" dur="1" fill="hold">
-                                          <p:stCondLst>
-                                            <p:cond delay="0"/>
-                                          </p:stCondLst>
-                                        </p:cTn>
-                                        <p:tgtEl>
-                                          <p:spTgt spid="3">
-                                            <p:txEl>
-                                              <p:pRg st="4" end="4"/>
-                                            </p:txEl>
-                                          </p:spTgt>
-                                        </p:tgtEl>
-                                        <p:attrNameLst>
-                                          <p:attrName>style.visibility</p:attrName>
-                                        </p:attrNameLst>
-                                      </p:cBhvr>
-                                      <p:to>
-                                        <p:strVal val="visible"/>
-                                      </p:to>
-                                    </p:set>
-                                  </p:childTnLst>
-                                </p:cTn>
-                              </p:par>
-                            </p:childTnLst>
-                          </p:cTn>
-                        </p:par>
-                      </p:childTnLst>
-                    </p:cTn>
-                  </p:par>
-                  <p:par>
-                    <p:cTn id="23" fill="hold">
-                      <p:stCondLst>
-                        <p:cond delay="indefinite"/>
-                      </p:stCondLst>
-                      <p:childTnLst>
-                        <p:par>
-                          <p:cTn id="24" fill="hold">
-                            <p:stCondLst>
-                              <p:cond delay="0"/>
-                            </p:stCondLst>
-                            <p:childTnLst>
-                              <p:par>
-                                <p:cTn id="25" presetID="1" presetClass="entr" presetSubtype="0" fill="hold" nodeType="clickEffect">
-                                  <p:stCondLst>
-                                    <p:cond delay="0"/>
-                                  </p:stCondLst>
-                                  <p:childTnLst>
-                                    <p:set>
-                                      <p:cBhvr>
-                                        <p:cTn id="26" dur="1" fill="hold">
-                                          <p:stCondLst>
-                                            <p:cond delay="0"/>
-                                          </p:stCondLst>
-                                        </p:cTn>
-                                        <p:tgtEl>
-                                          <p:spTgt spid="3">
-                                            <p:txEl>
-                                              <p:pRg st="5" end="5"/>
-                                            </p:txEl>
-                                          </p:spTgt>
-                                        </p:tgtEl>
-                                        <p:attrNameLst>
-                                          <p:attrName>style.visibility</p:attrName>
-                                        </p:attrNameLst>
-                                      </p:cBhvr>
-                                      <p:to>
-                                        <p:strVal val="visible"/>
-                                      </p:to>
-                                    </p:set>
-                                  </p:childTnLst>
-                                </p:cTn>
-                              </p:par>
-                            </p:childTnLst>
-                          </p:cTn>
-                        </p:par>
-                      </p:childTnLst>
-                    </p:cTn>
-                  </p:par>
-                </p:childTnLst>
-              </p:cTn>
-              <p:prevCondLst>
-                <p:cond evt="onPrev" delay="0">
-                  <p:tgtEl>
-                    <p:sldTgt/>
-                  </p:tgtEl>
-                </p:cond>
-              </p:prevCondLst>
-              <p:nextCondLst>
-                <p:cond evt="onNext" delay="0">
-                  <p:tgtEl>
-                    <p:sldTgt/>
-                  </p:tgtEl>
-                </p:cond>
-              </p:nextCondLst>
-            </p:seq>
-          </p:childTnLst>
-        </p:cTn>
-      </p:par>
-    </p:tnLst>
-  </p:timing>
 </p:sld>
 </file>
 
@@ -6392,281 +5377,6 @@
   <p:clrMapOvr>
     <a:masterClrMapping/>
   </p:clrMapOvr>
-  <p:timing>
-    <p:tnLst>
-      <p:par>
-        <p:cTn id="1" dur="indefinite" restart="never" nodeType="tmRoot">
-          <p:childTnLst>
-            <p:seq concurrent="1" nextAc="seek">
-              <p:cTn id="2" dur="indefinite" nodeType="mainSeq">
-                <p:childTnLst>
-                  <p:par>
-                    <p:cTn id="3" fill="hold">
-                      <p:stCondLst>
-                        <p:cond delay="indefinite"/>
-                      </p:stCondLst>
-                      <p:childTnLst>
-                        <p:par>
-                          <p:cTn id="4" fill="hold">
-                            <p:stCondLst>
-                              <p:cond delay="0"/>
-                            </p:stCondLst>
-                            <p:childTnLst>
-                              <p:par>
-                                <p:cTn id="5" presetID="1" presetClass="entr" presetSubtype="0" fill="hold" nodeType="clickEffect">
-                                  <p:stCondLst>
-                                    <p:cond delay="0"/>
-                                  </p:stCondLst>
-                                  <p:childTnLst>
-                                    <p:set>
-                                      <p:cBhvr>
-                                        <p:cTn id="6" dur="1" fill="hold">
-                                          <p:stCondLst>
-                                            <p:cond delay="0"/>
-                                          </p:stCondLst>
-                                        </p:cTn>
-                                        <p:tgtEl>
-                                          <p:spTgt spid="3">
-                                            <p:txEl>
-                                              <p:pRg st="0" end="0"/>
-                                            </p:txEl>
-                                          </p:spTgt>
-                                        </p:tgtEl>
-                                        <p:attrNameLst>
-                                          <p:attrName>style.visibility</p:attrName>
-                                        </p:attrNameLst>
-                                      </p:cBhvr>
-                                      <p:to>
-                                        <p:strVal val="visible"/>
-                                      </p:to>
-                                    </p:set>
-                                  </p:childTnLst>
-                                </p:cTn>
-                              </p:par>
-                            </p:childTnLst>
-                          </p:cTn>
-                        </p:par>
-                      </p:childTnLst>
-                    </p:cTn>
-                  </p:par>
-                  <p:par>
-                    <p:cTn id="7" fill="hold">
-                      <p:stCondLst>
-                        <p:cond delay="indefinite"/>
-                      </p:stCondLst>
-                      <p:childTnLst>
-                        <p:par>
-                          <p:cTn id="8" fill="hold">
-                            <p:stCondLst>
-                              <p:cond delay="0"/>
-                            </p:stCondLst>
-                            <p:childTnLst>
-                              <p:par>
-                                <p:cTn id="9" presetID="1" presetClass="entr" presetSubtype="0" fill="hold" nodeType="clickEffect">
-                                  <p:stCondLst>
-                                    <p:cond delay="0"/>
-                                  </p:stCondLst>
-                                  <p:childTnLst>
-                                    <p:set>
-                                      <p:cBhvr>
-                                        <p:cTn id="10" dur="1" fill="hold">
-                                          <p:stCondLst>
-                                            <p:cond delay="0"/>
-                                          </p:stCondLst>
-                                        </p:cTn>
-                                        <p:tgtEl>
-                                          <p:spTgt spid="3">
-                                            <p:txEl>
-                                              <p:pRg st="1" end="1"/>
-                                            </p:txEl>
-                                          </p:spTgt>
-                                        </p:tgtEl>
-                                        <p:attrNameLst>
-                                          <p:attrName>style.visibility</p:attrName>
-                                        </p:attrNameLst>
-                                      </p:cBhvr>
-                                      <p:to>
-                                        <p:strVal val="visible"/>
-                                      </p:to>
-                                    </p:set>
-                                  </p:childTnLst>
-                                </p:cTn>
-                              </p:par>
-                            </p:childTnLst>
-                          </p:cTn>
-                        </p:par>
-                      </p:childTnLst>
-                    </p:cTn>
-                  </p:par>
-                  <p:par>
-                    <p:cTn id="11" fill="hold">
-                      <p:stCondLst>
-                        <p:cond delay="indefinite"/>
-                      </p:stCondLst>
-                      <p:childTnLst>
-                        <p:par>
-                          <p:cTn id="12" fill="hold">
-                            <p:stCondLst>
-                              <p:cond delay="0"/>
-                            </p:stCondLst>
-                            <p:childTnLst>
-                              <p:par>
-                                <p:cTn id="13" presetID="1" presetClass="entr" presetSubtype="0" fill="hold" nodeType="clickEffect">
-                                  <p:stCondLst>
-                                    <p:cond delay="0"/>
-                                  </p:stCondLst>
-                                  <p:childTnLst>
-                                    <p:set>
-                                      <p:cBhvr>
-                                        <p:cTn id="14" dur="1" fill="hold">
-                                          <p:stCondLst>
-                                            <p:cond delay="0"/>
-                                          </p:stCondLst>
-                                        </p:cTn>
-                                        <p:tgtEl>
-                                          <p:spTgt spid="3">
-                                            <p:txEl>
-                                              <p:pRg st="2" end="2"/>
-                                            </p:txEl>
-                                          </p:spTgt>
-                                        </p:tgtEl>
-                                        <p:attrNameLst>
-                                          <p:attrName>style.visibility</p:attrName>
-                                        </p:attrNameLst>
-                                      </p:cBhvr>
-                                      <p:to>
-                                        <p:strVal val="visible"/>
-                                      </p:to>
-                                    </p:set>
-                                  </p:childTnLst>
-                                </p:cTn>
-                              </p:par>
-                            </p:childTnLst>
-                          </p:cTn>
-                        </p:par>
-                      </p:childTnLst>
-                    </p:cTn>
-                  </p:par>
-                  <p:par>
-                    <p:cTn id="15" fill="hold">
-                      <p:stCondLst>
-                        <p:cond delay="indefinite"/>
-                      </p:stCondLst>
-                      <p:childTnLst>
-                        <p:par>
-                          <p:cTn id="16" fill="hold">
-                            <p:stCondLst>
-                              <p:cond delay="0"/>
-                            </p:stCondLst>
-                            <p:childTnLst>
-                              <p:par>
-                                <p:cTn id="17" presetID="1" presetClass="entr" presetSubtype="0" fill="hold" nodeType="clickEffect">
-                                  <p:stCondLst>
-                                    <p:cond delay="0"/>
-                                  </p:stCondLst>
-                                  <p:childTnLst>
-                                    <p:set>
-                                      <p:cBhvr>
-                                        <p:cTn id="18" dur="1" fill="hold">
-                                          <p:stCondLst>
-                                            <p:cond delay="0"/>
-                                          </p:stCondLst>
-                                        </p:cTn>
-                                        <p:tgtEl>
-                                          <p:spTgt spid="3">
-                                            <p:txEl>
-                                              <p:pRg st="3" end="3"/>
-                                            </p:txEl>
-                                          </p:spTgt>
-                                        </p:tgtEl>
-                                        <p:attrNameLst>
-                                          <p:attrName>style.visibility</p:attrName>
-                                        </p:attrNameLst>
-                                      </p:cBhvr>
-                                      <p:to>
-                                        <p:strVal val="visible"/>
-                                      </p:to>
-                                    </p:set>
-                                  </p:childTnLst>
-                                </p:cTn>
-                              </p:par>
-                            </p:childTnLst>
-                          </p:cTn>
-                        </p:par>
-                      </p:childTnLst>
-                    </p:cTn>
-                  </p:par>
-                  <p:par>
-                    <p:cTn id="19" fill="hold">
-                      <p:stCondLst>
-                        <p:cond delay="indefinite"/>
-                      </p:stCondLst>
-                      <p:childTnLst>
-                        <p:par>
-                          <p:cTn id="20" fill="hold">
-                            <p:stCondLst>
-                              <p:cond delay="0"/>
-                            </p:stCondLst>
-                            <p:childTnLst>
-                              <p:par>
-                                <p:cTn id="21" presetID="1" presetClass="entr" presetSubtype="0" fill="hold" nodeType="clickEffect">
-                                  <p:stCondLst>
-                                    <p:cond delay="0"/>
-                                  </p:stCondLst>
-                                  <p:childTnLst>
-                                    <p:set>
-                                      <p:cBhvr>
-                                        <p:cTn id="22" dur="1" fill="hold">
-                                          <p:stCondLst>
-                                            <p:cond delay="0"/>
-                                          </p:stCondLst>
-                                        </p:cTn>
-                                        <p:tgtEl>
-                                          <p:spTgt spid="3">
-                                            <p:txEl>
-                                              <p:pRg st="4" end="4"/>
-                                            </p:txEl>
-                                          </p:spTgt>
-                                        </p:tgtEl>
-                                        <p:attrNameLst>
-                                          <p:attrName>style.visibility</p:attrName>
-                                        </p:attrNameLst>
-                                      </p:cBhvr>
-                                      <p:to>
-                                        <p:strVal val="visible"/>
-                                      </p:to>
-                                    </p:set>
-                                  </p:childTnLst>
-                                </p:cTn>
-                              </p:par>
-                            </p:childTnLst>
-                          </p:cTn>
-                        </p:par>
-                      </p:childTnLst>
-                    </p:cTn>
-                  </p:par>
-                </p:childTnLst>
-              </p:cTn>
-              <p:prevCondLst>
-                <p:cond evt="onPrev" delay="0">
-                  <p:tgtEl>
-                    <p:sldTgt/>
-                  </p:tgtEl>
-                </p:cond>
-              </p:prevCondLst>
-              <p:nextCondLst>
-                <p:cond evt="onNext" delay="0">
-                  <p:tgtEl>
-                    <p:sldTgt/>
-                  </p:tgtEl>
-                </p:cond>
-              </p:nextCondLst>
-            </p:seq>
-          </p:childTnLst>
-        </p:cTn>
-      </p:par>
-    </p:tnLst>
-  </p:timing>
 </p:sld>
 </file>
 
@@ -6837,330 +5547,6 @@
   <p:clrMapOvr>
     <a:masterClrMapping/>
   </p:clrMapOvr>
-  <p:timing>
-    <p:tnLst>
-      <p:par>
-        <p:cTn id="1" dur="indefinite" restart="never" nodeType="tmRoot">
-          <p:childTnLst>
-            <p:seq concurrent="1" nextAc="seek">
-              <p:cTn id="2" dur="indefinite" nodeType="mainSeq">
-                <p:childTnLst>
-                  <p:par>
-                    <p:cTn id="3" fill="hold">
-                      <p:stCondLst>
-                        <p:cond delay="indefinite"/>
-                      </p:stCondLst>
-                      <p:childTnLst>
-                        <p:par>
-                          <p:cTn id="4" fill="hold">
-                            <p:stCondLst>
-                              <p:cond delay="0"/>
-                            </p:stCondLst>
-                            <p:childTnLst>
-                              <p:par>
-                                <p:cTn id="5" presetID="1" presetClass="entr" presetSubtype="0" fill="hold" nodeType="clickEffect">
-                                  <p:stCondLst>
-                                    <p:cond delay="0"/>
-                                  </p:stCondLst>
-                                  <p:childTnLst>
-                                    <p:set>
-                                      <p:cBhvr>
-                                        <p:cTn id="6" dur="1" fill="hold">
-                                          <p:stCondLst>
-                                            <p:cond delay="0"/>
-                                          </p:stCondLst>
-                                        </p:cTn>
-                                        <p:tgtEl>
-                                          <p:spTgt spid="3">
-                                            <p:txEl>
-                                              <p:pRg st="0" end="0"/>
-                                            </p:txEl>
-                                          </p:spTgt>
-                                        </p:tgtEl>
-                                        <p:attrNameLst>
-                                          <p:attrName>style.visibility</p:attrName>
-                                        </p:attrNameLst>
-                                      </p:cBhvr>
-                                      <p:to>
-                                        <p:strVal val="visible"/>
-                                      </p:to>
-                                    </p:set>
-                                  </p:childTnLst>
-                                </p:cTn>
-                              </p:par>
-                            </p:childTnLst>
-                          </p:cTn>
-                        </p:par>
-                      </p:childTnLst>
-                    </p:cTn>
-                  </p:par>
-                  <p:par>
-                    <p:cTn id="7" fill="hold">
-                      <p:stCondLst>
-                        <p:cond delay="indefinite"/>
-                      </p:stCondLst>
-                      <p:childTnLst>
-                        <p:par>
-                          <p:cTn id="8" fill="hold">
-                            <p:stCondLst>
-                              <p:cond delay="0"/>
-                            </p:stCondLst>
-                            <p:childTnLst>
-                              <p:par>
-                                <p:cTn id="9" presetID="1" presetClass="entr" presetSubtype="0" fill="hold" nodeType="clickEffect">
-                                  <p:stCondLst>
-                                    <p:cond delay="0"/>
-                                  </p:stCondLst>
-                                  <p:childTnLst>
-                                    <p:set>
-                                      <p:cBhvr>
-                                        <p:cTn id="10" dur="1" fill="hold">
-                                          <p:stCondLst>
-                                            <p:cond delay="0"/>
-                                          </p:stCondLst>
-                                        </p:cTn>
-                                        <p:tgtEl>
-                                          <p:spTgt spid="3">
-                                            <p:txEl>
-                                              <p:pRg st="1" end="1"/>
-                                            </p:txEl>
-                                          </p:spTgt>
-                                        </p:tgtEl>
-                                        <p:attrNameLst>
-                                          <p:attrName>style.visibility</p:attrName>
-                                        </p:attrNameLst>
-                                      </p:cBhvr>
-                                      <p:to>
-                                        <p:strVal val="visible"/>
-                                      </p:to>
-                                    </p:set>
-                                  </p:childTnLst>
-                                </p:cTn>
-                              </p:par>
-                            </p:childTnLst>
-                          </p:cTn>
-                        </p:par>
-                      </p:childTnLst>
-                    </p:cTn>
-                  </p:par>
-                  <p:par>
-                    <p:cTn id="11" fill="hold">
-                      <p:stCondLst>
-                        <p:cond delay="indefinite"/>
-                      </p:stCondLst>
-                      <p:childTnLst>
-                        <p:par>
-                          <p:cTn id="12" fill="hold">
-                            <p:stCondLst>
-                              <p:cond delay="0"/>
-                            </p:stCondLst>
-                            <p:childTnLst>
-                              <p:par>
-                                <p:cTn id="13" presetID="1" presetClass="entr" presetSubtype="0" fill="hold" nodeType="clickEffect">
-                                  <p:stCondLst>
-                                    <p:cond delay="0"/>
-                                  </p:stCondLst>
-                                  <p:childTnLst>
-                                    <p:set>
-                                      <p:cBhvr>
-                                        <p:cTn id="14" dur="1" fill="hold">
-                                          <p:stCondLst>
-                                            <p:cond delay="0"/>
-                                          </p:stCondLst>
-                                        </p:cTn>
-                                        <p:tgtEl>
-                                          <p:spTgt spid="3">
-                                            <p:txEl>
-                                              <p:pRg st="2" end="2"/>
-                                            </p:txEl>
-                                          </p:spTgt>
-                                        </p:tgtEl>
-                                        <p:attrNameLst>
-                                          <p:attrName>style.visibility</p:attrName>
-                                        </p:attrNameLst>
-                                      </p:cBhvr>
-                                      <p:to>
-                                        <p:strVal val="visible"/>
-                                      </p:to>
-                                    </p:set>
-                                  </p:childTnLst>
-                                </p:cTn>
-                              </p:par>
-                            </p:childTnLst>
-                          </p:cTn>
-                        </p:par>
-                      </p:childTnLst>
-                    </p:cTn>
-                  </p:par>
-                  <p:par>
-                    <p:cTn id="15" fill="hold">
-                      <p:stCondLst>
-                        <p:cond delay="indefinite"/>
-                      </p:stCondLst>
-                      <p:childTnLst>
-                        <p:par>
-                          <p:cTn id="16" fill="hold">
-                            <p:stCondLst>
-                              <p:cond delay="0"/>
-                            </p:stCondLst>
-                            <p:childTnLst>
-                              <p:par>
-                                <p:cTn id="17" presetID="1" presetClass="entr" presetSubtype="0" fill="hold" nodeType="clickEffect">
-                                  <p:stCondLst>
-                                    <p:cond delay="0"/>
-                                  </p:stCondLst>
-                                  <p:childTnLst>
-                                    <p:set>
-                                      <p:cBhvr>
-                                        <p:cTn id="18" dur="1" fill="hold">
-                                          <p:stCondLst>
-                                            <p:cond delay="0"/>
-                                          </p:stCondLst>
-                                        </p:cTn>
-                                        <p:tgtEl>
-                                          <p:spTgt spid="3">
-                                            <p:txEl>
-                                              <p:pRg st="3" end="3"/>
-                                            </p:txEl>
-                                          </p:spTgt>
-                                        </p:tgtEl>
-                                        <p:attrNameLst>
-                                          <p:attrName>style.visibility</p:attrName>
-                                        </p:attrNameLst>
-                                      </p:cBhvr>
-                                      <p:to>
-                                        <p:strVal val="visible"/>
-                                      </p:to>
-                                    </p:set>
-                                  </p:childTnLst>
-                                </p:cTn>
-                              </p:par>
-                            </p:childTnLst>
-                          </p:cTn>
-                        </p:par>
-                      </p:childTnLst>
-                    </p:cTn>
-                  </p:par>
-                  <p:par>
-                    <p:cTn id="19" fill="hold">
-                      <p:stCondLst>
-                        <p:cond delay="indefinite"/>
-                      </p:stCondLst>
-                      <p:childTnLst>
-                        <p:par>
-                          <p:cTn id="20" fill="hold">
-                            <p:stCondLst>
-                              <p:cond delay="0"/>
-                            </p:stCondLst>
-                            <p:childTnLst>
-                              <p:par>
-                                <p:cTn id="21" presetID="1" presetClass="entr" presetSubtype="0" fill="hold" nodeType="clickEffect">
-                                  <p:stCondLst>
-                                    <p:cond delay="0"/>
-                                  </p:stCondLst>
-                                  <p:childTnLst>
-                                    <p:set>
-                                      <p:cBhvr>
-                                        <p:cTn id="22" dur="1" fill="hold">
-                                          <p:stCondLst>
-                                            <p:cond delay="0"/>
-                                          </p:stCondLst>
-                                        </p:cTn>
-                                        <p:tgtEl>
-                                          <p:spTgt spid="3">
-                                            <p:txEl>
-                                              <p:pRg st="4" end="4"/>
-                                            </p:txEl>
-                                          </p:spTgt>
-                                        </p:tgtEl>
-                                        <p:attrNameLst>
-                                          <p:attrName>style.visibility</p:attrName>
-                                        </p:attrNameLst>
-                                      </p:cBhvr>
-                                      <p:to>
-                                        <p:strVal val="visible"/>
-                                      </p:to>
-                                    </p:set>
-                                  </p:childTnLst>
-                                </p:cTn>
-                              </p:par>
-                            </p:childTnLst>
-                          </p:cTn>
-                        </p:par>
-                      </p:childTnLst>
-                    </p:cTn>
-                  </p:par>
-                  <p:par>
-                    <p:cTn id="23" fill="hold">
-                      <p:stCondLst>
-                        <p:cond delay="indefinite"/>
-                      </p:stCondLst>
-                      <p:childTnLst>
-                        <p:par>
-                          <p:cTn id="24" fill="hold">
-                            <p:stCondLst>
-                              <p:cond delay="0"/>
-                            </p:stCondLst>
-                            <p:childTnLst>
-                              <p:par>
-                                <p:cTn id="25" presetID="1" presetClass="entr" presetSubtype="0" fill="hold" nodeType="clickEffect">
-                                  <p:stCondLst>
-                                    <p:cond delay="0"/>
-                                  </p:stCondLst>
-                                  <p:childTnLst>
-                                    <p:set>
-                                      <p:cBhvr>
-                                        <p:cTn id="26" dur="1" fill="hold">
-                                          <p:stCondLst>
-                                            <p:cond delay="0"/>
-                                          </p:stCondLst>
-                                        </p:cTn>
-                                        <p:tgtEl>
-                                          <p:spTgt spid="3">
-                                            <p:txEl>
-                                              <p:pRg st="5" end="5"/>
-                                            </p:txEl>
-                                          </p:spTgt>
-                                        </p:tgtEl>
-                                        <p:attrNameLst>
-                                          <p:attrName>style.visibility</p:attrName>
-                                        </p:attrNameLst>
-                                      </p:cBhvr>
-                                      <p:to>
-                                        <p:strVal val="visible"/>
-                                      </p:to>
-                                    </p:set>
-                                  </p:childTnLst>
-                                </p:cTn>
-                              </p:par>
-                            </p:childTnLst>
-                          </p:cTn>
-                        </p:par>
-                      </p:childTnLst>
-                    </p:cTn>
-                  </p:par>
-                </p:childTnLst>
-              </p:cTn>
-              <p:prevCondLst>
-                <p:cond evt="onPrev" delay="0">
-                  <p:tgtEl>
-                    <p:sldTgt/>
-                  </p:tgtEl>
-                </p:cond>
-              </p:prevCondLst>
-              <p:nextCondLst>
-                <p:cond evt="onNext" delay="0">
-                  <p:tgtEl>
-                    <p:sldTgt/>
-                  </p:tgtEl>
-                </p:cond>
-              </p:nextCondLst>
-            </p:seq>
-          </p:childTnLst>
-        </p:cTn>
-      </p:par>
-    </p:tnLst>
-  </p:timing>
 </p:sld>
 </file>
 
@@ -7313,330 +5699,6 @@
   <p:clrMapOvr>
     <a:masterClrMapping/>
   </p:clrMapOvr>
-  <p:timing>
-    <p:tnLst>
-      <p:par>
-        <p:cTn id="1" dur="indefinite" restart="never" nodeType="tmRoot">
-          <p:childTnLst>
-            <p:seq concurrent="1" nextAc="seek">
-              <p:cTn id="2" dur="indefinite" nodeType="mainSeq">
-                <p:childTnLst>
-                  <p:par>
-                    <p:cTn id="3" fill="hold">
-                      <p:stCondLst>
-                        <p:cond delay="indefinite"/>
-                      </p:stCondLst>
-                      <p:childTnLst>
-                        <p:par>
-                          <p:cTn id="4" fill="hold">
-                            <p:stCondLst>
-                              <p:cond delay="0"/>
-                            </p:stCondLst>
-                            <p:childTnLst>
-                              <p:par>
-                                <p:cTn id="5" presetID="1" presetClass="entr" presetSubtype="0" fill="hold" nodeType="clickEffect">
-                                  <p:stCondLst>
-                                    <p:cond delay="0"/>
-                                  </p:stCondLst>
-                                  <p:childTnLst>
-                                    <p:set>
-                                      <p:cBhvr>
-                                        <p:cTn id="6" dur="1" fill="hold">
-                                          <p:stCondLst>
-                                            <p:cond delay="0"/>
-                                          </p:stCondLst>
-                                        </p:cTn>
-                                        <p:tgtEl>
-                                          <p:spTgt spid="3">
-                                            <p:txEl>
-                                              <p:pRg st="0" end="0"/>
-                                            </p:txEl>
-                                          </p:spTgt>
-                                        </p:tgtEl>
-                                        <p:attrNameLst>
-                                          <p:attrName>style.visibility</p:attrName>
-                                        </p:attrNameLst>
-                                      </p:cBhvr>
-                                      <p:to>
-                                        <p:strVal val="visible"/>
-                                      </p:to>
-                                    </p:set>
-                                  </p:childTnLst>
-                                </p:cTn>
-                              </p:par>
-                            </p:childTnLst>
-                          </p:cTn>
-                        </p:par>
-                      </p:childTnLst>
-                    </p:cTn>
-                  </p:par>
-                  <p:par>
-                    <p:cTn id="7" fill="hold">
-                      <p:stCondLst>
-                        <p:cond delay="indefinite"/>
-                      </p:stCondLst>
-                      <p:childTnLst>
-                        <p:par>
-                          <p:cTn id="8" fill="hold">
-                            <p:stCondLst>
-                              <p:cond delay="0"/>
-                            </p:stCondLst>
-                            <p:childTnLst>
-                              <p:par>
-                                <p:cTn id="9" presetID="1" presetClass="entr" presetSubtype="0" fill="hold" nodeType="clickEffect">
-                                  <p:stCondLst>
-                                    <p:cond delay="0"/>
-                                  </p:stCondLst>
-                                  <p:childTnLst>
-                                    <p:set>
-                                      <p:cBhvr>
-                                        <p:cTn id="10" dur="1" fill="hold">
-                                          <p:stCondLst>
-                                            <p:cond delay="0"/>
-                                          </p:stCondLst>
-                                        </p:cTn>
-                                        <p:tgtEl>
-                                          <p:spTgt spid="3">
-                                            <p:txEl>
-                                              <p:pRg st="1" end="1"/>
-                                            </p:txEl>
-                                          </p:spTgt>
-                                        </p:tgtEl>
-                                        <p:attrNameLst>
-                                          <p:attrName>style.visibility</p:attrName>
-                                        </p:attrNameLst>
-                                      </p:cBhvr>
-                                      <p:to>
-                                        <p:strVal val="visible"/>
-                                      </p:to>
-                                    </p:set>
-                                  </p:childTnLst>
-                                </p:cTn>
-                              </p:par>
-                            </p:childTnLst>
-                          </p:cTn>
-                        </p:par>
-                      </p:childTnLst>
-                    </p:cTn>
-                  </p:par>
-                  <p:par>
-                    <p:cTn id="11" fill="hold">
-                      <p:stCondLst>
-                        <p:cond delay="indefinite"/>
-                      </p:stCondLst>
-                      <p:childTnLst>
-                        <p:par>
-                          <p:cTn id="12" fill="hold">
-                            <p:stCondLst>
-                              <p:cond delay="0"/>
-                            </p:stCondLst>
-                            <p:childTnLst>
-                              <p:par>
-                                <p:cTn id="13" presetID="1" presetClass="entr" presetSubtype="0" fill="hold" nodeType="clickEffect">
-                                  <p:stCondLst>
-                                    <p:cond delay="0"/>
-                                  </p:stCondLst>
-                                  <p:childTnLst>
-                                    <p:set>
-                                      <p:cBhvr>
-                                        <p:cTn id="14" dur="1" fill="hold">
-                                          <p:stCondLst>
-                                            <p:cond delay="0"/>
-                                          </p:stCondLst>
-                                        </p:cTn>
-                                        <p:tgtEl>
-                                          <p:spTgt spid="3">
-                                            <p:txEl>
-                                              <p:pRg st="2" end="2"/>
-                                            </p:txEl>
-                                          </p:spTgt>
-                                        </p:tgtEl>
-                                        <p:attrNameLst>
-                                          <p:attrName>style.visibility</p:attrName>
-                                        </p:attrNameLst>
-                                      </p:cBhvr>
-                                      <p:to>
-                                        <p:strVal val="visible"/>
-                                      </p:to>
-                                    </p:set>
-                                  </p:childTnLst>
-                                </p:cTn>
-                              </p:par>
-                            </p:childTnLst>
-                          </p:cTn>
-                        </p:par>
-                      </p:childTnLst>
-                    </p:cTn>
-                  </p:par>
-                  <p:par>
-                    <p:cTn id="15" fill="hold">
-                      <p:stCondLst>
-                        <p:cond delay="indefinite"/>
-                      </p:stCondLst>
-                      <p:childTnLst>
-                        <p:par>
-                          <p:cTn id="16" fill="hold">
-                            <p:stCondLst>
-                              <p:cond delay="0"/>
-                            </p:stCondLst>
-                            <p:childTnLst>
-                              <p:par>
-                                <p:cTn id="17" presetID="1" presetClass="entr" presetSubtype="0" fill="hold" nodeType="clickEffect">
-                                  <p:stCondLst>
-                                    <p:cond delay="0"/>
-                                  </p:stCondLst>
-                                  <p:childTnLst>
-                                    <p:set>
-                                      <p:cBhvr>
-                                        <p:cTn id="18" dur="1" fill="hold">
-                                          <p:stCondLst>
-                                            <p:cond delay="0"/>
-                                          </p:stCondLst>
-                                        </p:cTn>
-                                        <p:tgtEl>
-                                          <p:spTgt spid="3">
-                                            <p:txEl>
-                                              <p:pRg st="3" end="3"/>
-                                            </p:txEl>
-                                          </p:spTgt>
-                                        </p:tgtEl>
-                                        <p:attrNameLst>
-                                          <p:attrName>style.visibility</p:attrName>
-                                        </p:attrNameLst>
-                                      </p:cBhvr>
-                                      <p:to>
-                                        <p:strVal val="visible"/>
-                                      </p:to>
-                                    </p:set>
-                                  </p:childTnLst>
-                                </p:cTn>
-                              </p:par>
-                            </p:childTnLst>
-                          </p:cTn>
-                        </p:par>
-                      </p:childTnLst>
-                    </p:cTn>
-                  </p:par>
-                  <p:par>
-                    <p:cTn id="19" fill="hold">
-                      <p:stCondLst>
-                        <p:cond delay="indefinite"/>
-                      </p:stCondLst>
-                      <p:childTnLst>
-                        <p:par>
-                          <p:cTn id="20" fill="hold">
-                            <p:stCondLst>
-                              <p:cond delay="0"/>
-                            </p:stCondLst>
-                            <p:childTnLst>
-                              <p:par>
-                                <p:cTn id="21" presetID="1" presetClass="entr" presetSubtype="0" fill="hold" nodeType="clickEffect">
-                                  <p:stCondLst>
-                                    <p:cond delay="0"/>
-                                  </p:stCondLst>
-                                  <p:childTnLst>
-                                    <p:set>
-                                      <p:cBhvr>
-                                        <p:cTn id="22" dur="1" fill="hold">
-                                          <p:stCondLst>
-                                            <p:cond delay="0"/>
-                                          </p:stCondLst>
-                                        </p:cTn>
-                                        <p:tgtEl>
-                                          <p:spTgt spid="3">
-                                            <p:txEl>
-                                              <p:pRg st="4" end="4"/>
-                                            </p:txEl>
-                                          </p:spTgt>
-                                        </p:tgtEl>
-                                        <p:attrNameLst>
-                                          <p:attrName>style.visibility</p:attrName>
-                                        </p:attrNameLst>
-                                      </p:cBhvr>
-                                      <p:to>
-                                        <p:strVal val="visible"/>
-                                      </p:to>
-                                    </p:set>
-                                  </p:childTnLst>
-                                </p:cTn>
-                              </p:par>
-                            </p:childTnLst>
-                          </p:cTn>
-                        </p:par>
-                      </p:childTnLst>
-                    </p:cTn>
-                  </p:par>
-                  <p:par>
-                    <p:cTn id="23" fill="hold">
-                      <p:stCondLst>
-                        <p:cond delay="indefinite"/>
-                      </p:stCondLst>
-                      <p:childTnLst>
-                        <p:par>
-                          <p:cTn id="24" fill="hold">
-                            <p:stCondLst>
-                              <p:cond delay="0"/>
-                            </p:stCondLst>
-                            <p:childTnLst>
-                              <p:par>
-                                <p:cTn id="25" presetID="1" presetClass="entr" presetSubtype="0" fill="hold" nodeType="clickEffect">
-                                  <p:stCondLst>
-                                    <p:cond delay="0"/>
-                                  </p:stCondLst>
-                                  <p:childTnLst>
-                                    <p:set>
-                                      <p:cBhvr>
-                                        <p:cTn id="26" dur="1" fill="hold">
-                                          <p:stCondLst>
-                                            <p:cond delay="0"/>
-                                          </p:stCondLst>
-                                        </p:cTn>
-                                        <p:tgtEl>
-                                          <p:spTgt spid="3">
-                                            <p:txEl>
-                                              <p:pRg st="5" end="5"/>
-                                            </p:txEl>
-                                          </p:spTgt>
-                                        </p:tgtEl>
-                                        <p:attrNameLst>
-                                          <p:attrName>style.visibility</p:attrName>
-                                        </p:attrNameLst>
-                                      </p:cBhvr>
-                                      <p:to>
-                                        <p:strVal val="visible"/>
-                                      </p:to>
-                                    </p:set>
-                                  </p:childTnLst>
-                                </p:cTn>
-                              </p:par>
-                            </p:childTnLst>
-                          </p:cTn>
-                        </p:par>
-                      </p:childTnLst>
-                    </p:cTn>
-                  </p:par>
-                </p:childTnLst>
-              </p:cTn>
-              <p:prevCondLst>
-                <p:cond evt="onPrev" delay="0">
-                  <p:tgtEl>
-                    <p:sldTgt/>
-                  </p:tgtEl>
-                </p:cond>
-              </p:prevCondLst>
-              <p:nextCondLst>
-                <p:cond evt="onNext" delay="0">
-                  <p:tgtEl>
-                    <p:sldTgt/>
-                  </p:tgtEl>
-                </p:cond>
-              </p:nextCondLst>
-            </p:seq>
-          </p:childTnLst>
-        </p:cTn>
-      </p:par>
-    </p:tnLst>
-  </p:timing>
 </p:sld>
 </file>
 
@@ -7882,232 +5944,6 @@
   <p:clrMapOvr>
     <a:masterClrMapping/>
   </p:clrMapOvr>
-  <p:timing>
-    <p:tnLst>
-      <p:par>
-        <p:cTn id="1" dur="indefinite" restart="never" nodeType="tmRoot">
-          <p:childTnLst>
-            <p:seq concurrent="1" nextAc="seek">
-              <p:cTn id="2" dur="indefinite" nodeType="mainSeq">
-                <p:childTnLst>
-                  <p:par>
-                    <p:cTn id="3" fill="hold">
-                      <p:stCondLst>
-                        <p:cond delay="indefinite"/>
-                      </p:stCondLst>
-                      <p:childTnLst>
-                        <p:par>
-                          <p:cTn id="4" fill="hold">
-                            <p:stCondLst>
-                              <p:cond delay="0"/>
-                            </p:stCondLst>
-                            <p:childTnLst>
-                              <p:par>
-                                <p:cTn id="5" presetID="1" presetClass="entr" presetSubtype="0" fill="hold" nodeType="clickEffect">
-                                  <p:stCondLst>
-                                    <p:cond delay="0"/>
-                                  </p:stCondLst>
-                                  <p:childTnLst>
-                                    <p:set>
-                                      <p:cBhvr>
-                                        <p:cTn id="6" dur="1" fill="hold">
-                                          <p:stCondLst>
-                                            <p:cond delay="0"/>
-                                          </p:stCondLst>
-                                        </p:cTn>
-                                        <p:tgtEl>
-                                          <p:spTgt spid="3">
-                                            <p:txEl>
-                                              <p:pRg st="0" end="0"/>
-                                            </p:txEl>
-                                          </p:spTgt>
-                                        </p:tgtEl>
-                                        <p:attrNameLst>
-                                          <p:attrName>style.visibility</p:attrName>
-                                        </p:attrNameLst>
-                                      </p:cBhvr>
-                                      <p:to>
-                                        <p:strVal val="visible"/>
-                                      </p:to>
-                                    </p:set>
-                                  </p:childTnLst>
-                                </p:cTn>
-                              </p:par>
-                            </p:childTnLst>
-                          </p:cTn>
-                        </p:par>
-                      </p:childTnLst>
-                    </p:cTn>
-                  </p:par>
-                  <p:par>
-                    <p:cTn id="7" fill="hold">
-                      <p:stCondLst>
-                        <p:cond delay="indefinite"/>
-                      </p:stCondLst>
-                      <p:childTnLst>
-                        <p:par>
-                          <p:cTn id="8" fill="hold">
-                            <p:stCondLst>
-                              <p:cond delay="0"/>
-                            </p:stCondLst>
-                            <p:childTnLst>
-                              <p:par>
-                                <p:cTn id="9" presetID="1" presetClass="entr" presetSubtype="0" fill="hold" nodeType="clickEffect">
-                                  <p:stCondLst>
-                                    <p:cond delay="0"/>
-                                  </p:stCondLst>
-                                  <p:childTnLst>
-                                    <p:set>
-                                      <p:cBhvr>
-                                        <p:cTn id="10" dur="1" fill="hold">
-                                          <p:stCondLst>
-                                            <p:cond delay="0"/>
-                                          </p:stCondLst>
-                                        </p:cTn>
-                                        <p:tgtEl>
-                                          <p:spTgt spid="3">
-                                            <p:txEl>
-                                              <p:pRg st="1" end="1"/>
-                                            </p:txEl>
-                                          </p:spTgt>
-                                        </p:tgtEl>
-                                        <p:attrNameLst>
-                                          <p:attrName>style.visibility</p:attrName>
-                                        </p:attrNameLst>
-                                      </p:cBhvr>
-                                      <p:to>
-                                        <p:strVal val="visible"/>
-                                      </p:to>
-                                    </p:set>
-                                  </p:childTnLst>
-                                </p:cTn>
-                              </p:par>
-                            </p:childTnLst>
-                          </p:cTn>
-                        </p:par>
-                      </p:childTnLst>
-                    </p:cTn>
-                  </p:par>
-                  <p:par>
-                    <p:cTn id="11" fill="hold">
-                      <p:stCondLst>
-                        <p:cond delay="indefinite"/>
-                      </p:stCondLst>
-                      <p:childTnLst>
-                        <p:par>
-                          <p:cTn id="12" fill="hold">
-                            <p:stCondLst>
-                              <p:cond delay="0"/>
-                            </p:stCondLst>
-                            <p:childTnLst>
-                              <p:par>
-                                <p:cTn id="13" presetID="1" presetClass="entr" presetSubtype="0" fill="hold" nodeType="clickEffect">
-                                  <p:stCondLst>
-                                    <p:cond delay="0"/>
-                                  </p:stCondLst>
-                                  <p:childTnLst>
-                                    <p:set>
-                                      <p:cBhvr>
-                                        <p:cTn id="14" dur="1" fill="hold">
-                                          <p:stCondLst>
-                                            <p:cond delay="0"/>
-                                          </p:stCondLst>
-                                        </p:cTn>
-                                        <p:tgtEl>
-                                          <p:spTgt spid="3">
-                                            <p:txEl>
-                                              <p:pRg st="2" end="2"/>
-                                            </p:txEl>
-                                          </p:spTgt>
-                                        </p:tgtEl>
-                                        <p:attrNameLst>
-                                          <p:attrName>style.visibility</p:attrName>
-                                        </p:attrNameLst>
-                                      </p:cBhvr>
-                                      <p:to>
-                                        <p:strVal val="visible"/>
-                                      </p:to>
-                                    </p:set>
-                                  </p:childTnLst>
-                                </p:cTn>
-                              </p:par>
-                            </p:childTnLst>
-                          </p:cTn>
-                        </p:par>
-                      </p:childTnLst>
-                    </p:cTn>
-                  </p:par>
-                  <p:par>
-                    <p:cTn id="15" fill="hold">
-                      <p:stCondLst>
-                        <p:cond delay="indefinite"/>
-                      </p:stCondLst>
-                      <p:childTnLst>
-                        <p:par>
-                          <p:cTn id="16" fill="hold">
-                            <p:stCondLst>
-                              <p:cond delay="0"/>
-                            </p:stCondLst>
-                            <p:childTnLst>
-                              <p:par>
-                                <p:cTn id="17" presetID="1" presetClass="entr" presetSubtype="0" fill="hold" nodeType="clickEffect">
-                                  <p:stCondLst>
-                                    <p:cond delay="0"/>
-                                  </p:stCondLst>
-                                  <p:childTnLst>
-                                    <p:set>
-                                      <p:cBhvr>
-                                        <p:cTn id="18" dur="1" fill="hold">
-                                          <p:stCondLst>
-                                            <p:cond delay="0"/>
-                                          </p:stCondLst>
-                                        </p:cTn>
-                                        <p:tgtEl>
-                                          <p:spTgt spid="3">
-                                            <p:txEl>
-                                              <p:pRg st="3" end="3"/>
-                                            </p:txEl>
-                                          </p:spTgt>
-                                        </p:tgtEl>
-                                        <p:attrNameLst>
-                                          <p:attrName>style.visibility</p:attrName>
-                                        </p:attrNameLst>
-                                      </p:cBhvr>
-                                      <p:to>
-                                        <p:strVal val="visible"/>
-                                      </p:to>
-                                    </p:set>
-                                  </p:childTnLst>
-                                </p:cTn>
-                              </p:par>
-                            </p:childTnLst>
-                          </p:cTn>
-                        </p:par>
-                      </p:childTnLst>
-                    </p:cTn>
-                  </p:par>
-                </p:childTnLst>
-              </p:cTn>
-              <p:prevCondLst>
-                <p:cond evt="onPrev" delay="0">
-                  <p:tgtEl>
-                    <p:sldTgt/>
-                  </p:tgtEl>
-                </p:cond>
-              </p:prevCondLst>
-              <p:nextCondLst>
-                <p:cond evt="onNext" delay="0">
-                  <p:tgtEl>
-                    <p:sldTgt/>
-                  </p:tgtEl>
-                </p:cond>
-              </p:nextCondLst>
-            </p:seq>
-          </p:childTnLst>
-        </p:cTn>
-      </p:par>
-    </p:tnLst>
-  </p:timing>
 </p:sld>
 </file>
 
@@ -8181,14 +6017,14 @@
           <a:p>
             <a:r>
               <a:rPr lang="en-GB" dirty="0"/>
-              <a:t>There are approximately 150 rural co-operative banks in Mexico</a:t>
+              <a:t>There are approximately 150 rural co-operative banks in Mexico who are members of a union of credit unions</a:t>
             </a:r>
           </a:p>
           <a:p>
             <a:pPr lvl="1"/>
             <a:r>
               <a:rPr lang="en-GB" dirty="0"/>
-              <a:t>These rural banks are participants in a Mojaloop network</a:t>
+              <a:t>These rural banks will be participants in a Mojaloop network</a:t>
             </a:r>
           </a:p>
           <a:p>
@@ -8293,575 +6129,6 @@
   <p:clrMapOvr>
     <a:masterClrMapping/>
   </p:clrMapOvr>
-  <p:timing>
-    <p:tnLst>
-      <p:par>
-        <p:cTn id="1" dur="indefinite" restart="never" nodeType="tmRoot">
-          <p:childTnLst>
-            <p:seq concurrent="1" nextAc="seek">
-              <p:cTn id="2" dur="indefinite" nodeType="mainSeq">
-                <p:childTnLst>
-                  <p:par>
-                    <p:cTn id="3" fill="hold">
-                      <p:stCondLst>
-                        <p:cond delay="indefinite"/>
-                      </p:stCondLst>
-                      <p:childTnLst>
-                        <p:par>
-                          <p:cTn id="4" fill="hold">
-                            <p:stCondLst>
-                              <p:cond delay="0"/>
-                            </p:stCondLst>
-                            <p:childTnLst>
-                              <p:par>
-                                <p:cTn id="5" presetID="1" presetClass="entr" presetSubtype="0" fill="hold" nodeType="clickEffect">
-                                  <p:stCondLst>
-                                    <p:cond delay="0"/>
-                                  </p:stCondLst>
-                                  <p:childTnLst>
-                                    <p:set>
-                                      <p:cBhvr>
-                                        <p:cTn id="6" dur="1" fill="hold">
-                                          <p:stCondLst>
-                                            <p:cond delay="0"/>
-                                          </p:stCondLst>
-                                        </p:cTn>
-                                        <p:tgtEl>
-                                          <p:spTgt spid="3">
-                                            <p:txEl>
-                                              <p:pRg st="0" end="0"/>
-                                            </p:txEl>
-                                          </p:spTgt>
-                                        </p:tgtEl>
-                                        <p:attrNameLst>
-                                          <p:attrName>style.visibility</p:attrName>
-                                        </p:attrNameLst>
-                                      </p:cBhvr>
-                                      <p:to>
-                                        <p:strVal val="visible"/>
-                                      </p:to>
-                                    </p:set>
-                                  </p:childTnLst>
-                                </p:cTn>
-                              </p:par>
-                            </p:childTnLst>
-                          </p:cTn>
-                        </p:par>
-                      </p:childTnLst>
-                    </p:cTn>
-                  </p:par>
-                  <p:par>
-                    <p:cTn id="7" fill="hold">
-                      <p:stCondLst>
-                        <p:cond delay="indefinite"/>
-                      </p:stCondLst>
-                      <p:childTnLst>
-                        <p:par>
-                          <p:cTn id="8" fill="hold">
-                            <p:stCondLst>
-                              <p:cond delay="0"/>
-                            </p:stCondLst>
-                            <p:childTnLst>
-                              <p:par>
-                                <p:cTn id="9" presetID="1" presetClass="entr" presetSubtype="0" fill="hold" nodeType="clickEffect">
-                                  <p:stCondLst>
-                                    <p:cond delay="0"/>
-                                  </p:stCondLst>
-                                  <p:childTnLst>
-                                    <p:set>
-                                      <p:cBhvr>
-                                        <p:cTn id="10" dur="1" fill="hold">
-                                          <p:stCondLst>
-                                            <p:cond delay="0"/>
-                                          </p:stCondLst>
-                                        </p:cTn>
-                                        <p:tgtEl>
-                                          <p:spTgt spid="3">
-                                            <p:txEl>
-                                              <p:pRg st="1" end="1"/>
-                                            </p:txEl>
-                                          </p:spTgt>
-                                        </p:tgtEl>
-                                        <p:attrNameLst>
-                                          <p:attrName>style.visibility</p:attrName>
-                                        </p:attrNameLst>
-                                      </p:cBhvr>
-                                      <p:to>
-                                        <p:strVal val="visible"/>
-                                      </p:to>
-                                    </p:set>
-                                  </p:childTnLst>
-                                </p:cTn>
-                              </p:par>
-                            </p:childTnLst>
-                          </p:cTn>
-                        </p:par>
-                      </p:childTnLst>
-                    </p:cTn>
-                  </p:par>
-                  <p:par>
-                    <p:cTn id="11" fill="hold">
-                      <p:stCondLst>
-                        <p:cond delay="indefinite"/>
-                      </p:stCondLst>
-                      <p:childTnLst>
-                        <p:par>
-                          <p:cTn id="12" fill="hold">
-                            <p:stCondLst>
-                              <p:cond delay="0"/>
-                            </p:stCondLst>
-                            <p:childTnLst>
-                              <p:par>
-                                <p:cTn id="13" presetID="1" presetClass="entr" presetSubtype="0" fill="hold" nodeType="clickEffect">
-                                  <p:stCondLst>
-                                    <p:cond delay="0"/>
-                                  </p:stCondLst>
-                                  <p:childTnLst>
-                                    <p:set>
-                                      <p:cBhvr>
-                                        <p:cTn id="14" dur="1" fill="hold">
-                                          <p:stCondLst>
-                                            <p:cond delay="0"/>
-                                          </p:stCondLst>
-                                        </p:cTn>
-                                        <p:tgtEl>
-                                          <p:spTgt spid="3">
-                                            <p:txEl>
-                                              <p:pRg st="2" end="2"/>
-                                            </p:txEl>
-                                          </p:spTgt>
-                                        </p:tgtEl>
-                                        <p:attrNameLst>
-                                          <p:attrName>style.visibility</p:attrName>
-                                        </p:attrNameLst>
-                                      </p:cBhvr>
-                                      <p:to>
-                                        <p:strVal val="visible"/>
-                                      </p:to>
-                                    </p:set>
-                                  </p:childTnLst>
-                                </p:cTn>
-                              </p:par>
-                            </p:childTnLst>
-                          </p:cTn>
-                        </p:par>
-                      </p:childTnLst>
-                    </p:cTn>
-                  </p:par>
-                  <p:par>
-                    <p:cTn id="15" fill="hold">
-                      <p:stCondLst>
-                        <p:cond delay="indefinite"/>
-                      </p:stCondLst>
-                      <p:childTnLst>
-                        <p:par>
-                          <p:cTn id="16" fill="hold">
-                            <p:stCondLst>
-                              <p:cond delay="0"/>
-                            </p:stCondLst>
-                            <p:childTnLst>
-                              <p:par>
-                                <p:cTn id="17" presetID="1" presetClass="entr" presetSubtype="0" fill="hold" nodeType="clickEffect">
-                                  <p:stCondLst>
-                                    <p:cond delay="0"/>
-                                  </p:stCondLst>
-                                  <p:childTnLst>
-                                    <p:set>
-                                      <p:cBhvr>
-                                        <p:cTn id="18" dur="1" fill="hold">
-                                          <p:stCondLst>
-                                            <p:cond delay="0"/>
-                                          </p:stCondLst>
-                                        </p:cTn>
-                                        <p:tgtEl>
-                                          <p:spTgt spid="3">
-                                            <p:txEl>
-                                              <p:pRg st="3" end="3"/>
-                                            </p:txEl>
-                                          </p:spTgt>
-                                        </p:tgtEl>
-                                        <p:attrNameLst>
-                                          <p:attrName>style.visibility</p:attrName>
-                                        </p:attrNameLst>
-                                      </p:cBhvr>
-                                      <p:to>
-                                        <p:strVal val="visible"/>
-                                      </p:to>
-                                    </p:set>
-                                  </p:childTnLst>
-                                </p:cTn>
-                              </p:par>
-                            </p:childTnLst>
-                          </p:cTn>
-                        </p:par>
-                      </p:childTnLst>
-                    </p:cTn>
-                  </p:par>
-                  <p:par>
-                    <p:cTn id="19" fill="hold">
-                      <p:stCondLst>
-                        <p:cond delay="indefinite"/>
-                      </p:stCondLst>
-                      <p:childTnLst>
-                        <p:par>
-                          <p:cTn id="20" fill="hold">
-                            <p:stCondLst>
-                              <p:cond delay="0"/>
-                            </p:stCondLst>
-                            <p:childTnLst>
-                              <p:par>
-                                <p:cTn id="21" presetID="1" presetClass="entr" presetSubtype="0" fill="hold" nodeType="clickEffect">
-                                  <p:stCondLst>
-                                    <p:cond delay="0"/>
-                                  </p:stCondLst>
-                                  <p:childTnLst>
-                                    <p:set>
-                                      <p:cBhvr>
-                                        <p:cTn id="22" dur="1" fill="hold">
-                                          <p:stCondLst>
-                                            <p:cond delay="0"/>
-                                          </p:stCondLst>
-                                        </p:cTn>
-                                        <p:tgtEl>
-                                          <p:spTgt spid="3">
-                                            <p:txEl>
-                                              <p:pRg st="4" end="4"/>
-                                            </p:txEl>
-                                          </p:spTgt>
-                                        </p:tgtEl>
-                                        <p:attrNameLst>
-                                          <p:attrName>style.visibility</p:attrName>
-                                        </p:attrNameLst>
-                                      </p:cBhvr>
-                                      <p:to>
-                                        <p:strVal val="visible"/>
-                                      </p:to>
-                                    </p:set>
-                                  </p:childTnLst>
-                                </p:cTn>
-                              </p:par>
-                            </p:childTnLst>
-                          </p:cTn>
-                        </p:par>
-                      </p:childTnLst>
-                    </p:cTn>
-                  </p:par>
-                  <p:par>
-                    <p:cTn id="23" fill="hold">
-                      <p:stCondLst>
-                        <p:cond delay="indefinite"/>
-                      </p:stCondLst>
-                      <p:childTnLst>
-                        <p:par>
-                          <p:cTn id="24" fill="hold">
-                            <p:stCondLst>
-                              <p:cond delay="0"/>
-                            </p:stCondLst>
-                            <p:childTnLst>
-                              <p:par>
-                                <p:cTn id="25" presetID="1" presetClass="entr" presetSubtype="0" fill="hold" nodeType="clickEffect">
-                                  <p:stCondLst>
-                                    <p:cond delay="0"/>
-                                  </p:stCondLst>
-                                  <p:childTnLst>
-                                    <p:set>
-                                      <p:cBhvr>
-                                        <p:cTn id="26" dur="1" fill="hold">
-                                          <p:stCondLst>
-                                            <p:cond delay="0"/>
-                                          </p:stCondLst>
-                                        </p:cTn>
-                                        <p:tgtEl>
-                                          <p:spTgt spid="3">
-                                            <p:txEl>
-                                              <p:pRg st="5" end="5"/>
-                                            </p:txEl>
-                                          </p:spTgt>
-                                        </p:tgtEl>
-                                        <p:attrNameLst>
-                                          <p:attrName>style.visibility</p:attrName>
-                                        </p:attrNameLst>
-                                      </p:cBhvr>
-                                      <p:to>
-                                        <p:strVal val="visible"/>
-                                      </p:to>
-                                    </p:set>
-                                  </p:childTnLst>
-                                </p:cTn>
-                              </p:par>
-                            </p:childTnLst>
-                          </p:cTn>
-                        </p:par>
-                      </p:childTnLst>
-                    </p:cTn>
-                  </p:par>
-                  <p:par>
-                    <p:cTn id="27" fill="hold">
-                      <p:stCondLst>
-                        <p:cond delay="indefinite"/>
-                      </p:stCondLst>
-                      <p:childTnLst>
-                        <p:par>
-                          <p:cTn id="28" fill="hold">
-                            <p:stCondLst>
-                              <p:cond delay="0"/>
-                            </p:stCondLst>
-                            <p:childTnLst>
-                              <p:par>
-                                <p:cTn id="29" presetID="1" presetClass="entr" presetSubtype="0" fill="hold" nodeType="clickEffect">
-                                  <p:stCondLst>
-                                    <p:cond delay="0"/>
-                                  </p:stCondLst>
-                                  <p:childTnLst>
-                                    <p:set>
-                                      <p:cBhvr>
-                                        <p:cTn id="30" dur="1" fill="hold">
-                                          <p:stCondLst>
-                                            <p:cond delay="0"/>
-                                          </p:stCondLst>
-                                        </p:cTn>
-                                        <p:tgtEl>
-                                          <p:spTgt spid="3">
-                                            <p:txEl>
-                                              <p:pRg st="6" end="6"/>
-                                            </p:txEl>
-                                          </p:spTgt>
-                                        </p:tgtEl>
-                                        <p:attrNameLst>
-                                          <p:attrName>style.visibility</p:attrName>
-                                        </p:attrNameLst>
-                                      </p:cBhvr>
-                                      <p:to>
-                                        <p:strVal val="visible"/>
-                                      </p:to>
-                                    </p:set>
-                                  </p:childTnLst>
-                                </p:cTn>
-                              </p:par>
-                            </p:childTnLst>
-                          </p:cTn>
-                        </p:par>
-                      </p:childTnLst>
-                    </p:cTn>
-                  </p:par>
-                  <p:par>
-                    <p:cTn id="31" fill="hold">
-                      <p:stCondLst>
-                        <p:cond delay="indefinite"/>
-                      </p:stCondLst>
-                      <p:childTnLst>
-                        <p:par>
-                          <p:cTn id="32" fill="hold">
-                            <p:stCondLst>
-                              <p:cond delay="0"/>
-                            </p:stCondLst>
-                            <p:childTnLst>
-                              <p:par>
-                                <p:cTn id="33" presetID="1" presetClass="entr" presetSubtype="0" fill="hold" nodeType="clickEffect">
-                                  <p:stCondLst>
-                                    <p:cond delay="0"/>
-                                  </p:stCondLst>
-                                  <p:childTnLst>
-                                    <p:set>
-                                      <p:cBhvr>
-                                        <p:cTn id="34" dur="1" fill="hold">
-                                          <p:stCondLst>
-                                            <p:cond delay="0"/>
-                                          </p:stCondLst>
-                                        </p:cTn>
-                                        <p:tgtEl>
-                                          <p:spTgt spid="3">
-                                            <p:txEl>
-                                              <p:pRg st="7" end="7"/>
-                                            </p:txEl>
-                                          </p:spTgt>
-                                        </p:tgtEl>
-                                        <p:attrNameLst>
-                                          <p:attrName>style.visibility</p:attrName>
-                                        </p:attrNameLst>
-                                      </p:cBhvr>
-                                      <p:to>
-                                        <p:strVal val="visible"/>
-                                      </p:to>
-                                    </p:set>
-                                  </p:childTnLst>
-                                </p:cTn>
-                              </p:par>
-                            </p:childTnLst>
-                          </p:cTn>
-                        </p:par>
-                      </p:childTnLst>
-                    </p:cTn>
-                  </p:par>
-                  <p:par>
-                    <p:cTn id="35" fill="hold">
-                      <p:stCondLst>
-                        <p:cond delay="indefinite"/>
-                      </p:stCondLst>
-                      <p:childTnLst>
-                        <p:par>
-                          <p:cTn id="36" fill="hold">
-                            <p:stCondLst>
-                              <p:cond delay="0"/>
-                            </p:stCondLst>
-                            <p:childTnLst>
-                              <p:par>
-                                <p:cTn id="37" presetID="1" presetClass="entr" presetSubtype="0" fill="hold" nodeType="clickEffect">
-                                  <p:stCondLst>
-                                    <p:cond delay="0"/>
-                                  </p:stCondLst>
-                                  <p:childTnLst>
-                                    <p:set>
-                                      <p:cBhvr>
-                                        <p:cTn id="38" dur="1" fill="hold">
-                                          <p:stCondLst>
-                                            <p:cond delay="0"/>
-                                          </p:stCondLst>
-                                        </p:cTn>
-                                        <p:tgtEl>
-                                          <p:spTgt spid="3">
-                                            <p:txEl>
-                                              <p:pRg st="8" end="8"/>
-                                            </p:txEl>
-                                          </p:spTgt>
-                                        </p:tgtEl>
-                                        <p:attrNameLst>
-                                          <p:attrName>style.visibility</p:attrName>
-                                        </p:attrNameLst>
-                                      </p:cBhvr>
-                                      <p:to>
-                                        <p:strVal val="visible"/>
-                                      </p:to>
-                                    </p:set>
-                                  </p:childTnLst>
-                                </p:cTn>
-                              </p:par>
-                            </p:childTnLst>
-                          </p:cTn>
-                        </p:par>
-                      </p:childTnLst>
-                    </p:cTn>
-                  </p:par>
-                  <p:par>
-                    <p:cTn id="39" fill="hold">
-                      <p:stCondLst>
-                        <p:cond delay="indefinite"/>
-                      </p:stCondLst>
-                      <p:childTnLst>
-                        <p:par>
-                          <p:cTn id="40" fill="hold">
-                            <p:stCondLst>
-                              <p:cond delay="0"/>
-                            </p:stCondLst>
-                            <p:childTnLst>
-                              <p:par>
-                                <p:cTn id="41" presetID="1" presetClass="entr" presetSubtype="0" fill="hold" nodeType="clickEffect">
-                                  <p:stCondLst>
-                                    <p:cond delay="0"/>
-                                  </p:stCondLst>
-                                  <p:childTnLst>
-                                    <p:set>
-                                      <p:cBhvr>
-                                        <p:cTn id="42" dur="1" fill="hold">
-                                          <p:stCondLst>
-                                            <p:cond delay="0"/>
-                                          </p:stCondLst>
-                                        </p:cTn>
-                                        <p:tgtEl>
-                                          <p:spTgt spid="3">
-                                            <p:txEl>
-                                              <p:pRg st="9" end="9"/>
-                                            </p:txEl>
-                                          </p:spTgt>
-                                        </p:tgtEl>
-                                        <p:attrNameLst>
-                                          <p:attrName>style.visibility</p:attrName>
-                                        </p:attrNameLst>
-                                      </p:cBhvr>
-                                      <p:to>
-                                        <p:strVal val="visible"/>
-                                      </p:to>
-                                    </p:set>
-                                  </p:childTnLst>
-                                </p:cTn>
-                              </p:par>
-                            </p:childTnLst>
-                          </p:cTn>
-                        </p:par>
-                      </p:childTnLst>
-                    </p:cTn>
-                  </p:par>
-                  <p:par>
-                    <p:cTn id="43" fill="hold">
-                      <p:stCondLst>
-                        <p:cond delay="indefinite"/>
-                      </p:stCondLst>
-                      <p:childTnLst>
-                        <p:par>
-                          <p:cTn id="44" fill="hold">
-                            <p:stCondLst>
-                              <p:cond delay="0"/>
-                            </p:stCondLst>
-                            <p:childTnLst>
-                              <p:par>
-                                <p:cTn id="45" presetID="1" presetClass="entr" presetSubtype="0" fill="hold" nodeType="clickEffect">
-                                  <p:stCondLst>
-                                    <p:cond delay="0"/>
-                                  </p:stCondLst>
-                                  <p:childTnLst>
-                                    <p:set>
-                                      <p:cBhvr>
-                                        <p:cTn id="46" dur="1" fill="hold">
-                                          <p:stCondLst>
-                                            <p:cond delay="0"/>
-                                          </p:stCondLst>
-                                        </p:cTn>
-                                        <p:tgtEl>
-                                          <p:spTgt spid="3">
-                                            <p:txEl>
-                                              <p:pRg st="10" end="10"/>
-                                            </p:txEl>
-                                          </p:spTgt>
-                                        </p:tgtEl>
-                                        <p:attrNameLst>
-                                          <p:attrName>style.visibility</p:attrName>
-                                        </p:attrNameLst>
-                                      </p:cBhvr>
-                                      <p:to>
-                                        <p:strVal val="visible"/>
-                                      </p:to>
-                                    </p:set>
-                                  </p:childTnLst>
-                                </p:cTn>
-                              </p:par>
-                            </p:childTnLst>
-                          </p:cTn>
-                        </p:par>
-                      </p:childTnLst>
-                    </p:cTn>
-                  </p:par>
-                </p:childTnLst>
-              </p:cTn>
-              <p:prevCondLst>
-                <p:cond evt="onPrev" delay="0">
-                  <p:tgtEl>
-                    <p:sldTgt/>
-                  </p:tgtEl>
-                </p:cond>
-              </p:prevCondLst>
-              <p:nextCondLst>
-                <p:cond evt="onNext" delay="0">
-                  <p:tgtEl>
-                    <p:sldTgt/>
-                  </p:tgtEl>
-                </p:cond>
-              </p:nextCondLst>
-            </p:seq>
-          </p:childTnLst>
-        </p:cTn>
-      </p:par>
-    </p:tnLst>
-  </p:timing>
 </p:sld>
 </file>
 
@@ -9133,183 +6400,6 @@
   <p:clrMapOvr>
     <a:masterClrMapping/>
   </p:clrMapOvr>
-  <p:timing>
-    <p:tnLst>
-      <p:par>
-        <p:cTn id="1" dur="indefinite" restart="never" nodeType="tmRoot">
-          <p:childTnLst>
-            <p:seq concurrent="1" nextAc="seek">
-              <p:cTn id="2" dur="indefinite" nodeType="mainSeq">
-                <p:childTnLst>
-                  <p:par>
-                    <p:cTn id="3" fill="hold">
-                      <p:stCondLst>
-                        <p:cond delay="indefinite"/>
-                      </p:stCondLst>
-                      <p:childTnLst>
-                        <p:par>
-                          <p:cTn id="4" fill="hold">
-                            <p:stCondLst>
-                              <p:cond delay="0"/>
-                            </p:stCondLst>
-                            <p:childTnLst>
-                              <p:par>
-                                <p:cTn id="5" presetID="1" presetClass="entr" presetSubtype="0" fill="hold" nodeType="clickEffect">
-                                  <p:stCondLst>
-                                    <p:cond delay="0"/>
-                                  </p:stCondLst>
-                                  <p:childTnLst>
-                                    <p:set>
-                                      <p:cBhvr>
-                                        <p:cTn id="6" dur="1" fill="hold">
-                                          <p:stCondLst>
-                                            <p:cond delay="0"/>
-                                          </p:stCondLst>
-                                        </p:cTn>
-                                        <p:tgtEl>
-                                          <p:spTgt spid="3">
-                                            <p:txEl>
-                                              <p:pRg st="0" end="0"/>
-                                            </p:txEl>
-                                          </p:spTgt>
-                                        </p:tgtEl>
-                                        <p:attrNameLst>
-                                          <p:attrName>style.visibility</p:attrName>
-                                        </p:attrNameLst>
-                                      </p:cBhvr>
-                                      <p:to>
-                                        <p:strVal val="visible"/>
-                                      </p:to>
-                                    </p:set>
-                                  </p:childTnLst>
-                                </p:cTn>
-                              </p:par>
-                            </p:childTnLst>
-                          </p:cTn>
-                        </p:par>
-                      </p:childTnLst>
-                    </p:cTn>
-                  </p:par>
-                  <p:par>
-                    <p:cTn id="7" fill="hold">
-                      <p:stCondLst>
-                        <p:cond delay="indefinite"/>
-                      </p:stCondLst>
-                      <p:childTnLst>
-                        <p:par>
-                          <p:cTn id="8" fill="hold">
-                            <p:stCondLst>
-                              <p:cond delay="0"/>
-                            </p:stCondLst>
-                            <p:childTnLst>
-                              <p:par>
-                                <p:cTn id="9" presetID="1" presetClass="entr" presetSubtype="0" fill="hold" nodeType="clickEffect">
-                                  <p:stCondLst>
-                                    <p:cond delay="0"/>
-                                  </p:stCondLst>
-                                  <p:childTnLst>
-                                    <p:set>
-                                      <p:cBhvr>
-                                        <p:cTn id="10" dur="1" fill="hold">
-                                          <p:stCondLst>
-                                            <p:cond delay="0"/>
-                                          </p:stCondLst>
-                                        </p:cTn>
-                                        <p:tgtEl>
-                                          <p:spTgt spid="3">
-                                            <p:txEl>
-                                              <p:pRg st="1" end="1"/>
-                                            </p:txEl>
-                                          </p:spTgt>
-                                        </p:tgtEl>
-                                        <p:attrNameLst>
-                                          <p:attrName>style.visibility</p:attrName>
-                                        </p:attrNameLst>
-                                      </p:cBhvr>
-                                      <p:to>
-                                        <p:strVal val="visible"/>
-                                      </p:to>
-                                    </p:set>
-                                  </p:childTnLst>
-                                </p:cTn>
-                              </p:par>
-                            </p:childTnLst>
-                          </p:cTn>
-                        </p:par>
-                      </p:childTnLst>
-                    </p:cTn>
-                  </p:par>
-                  <p:par>
-                    <p:cTn id="11" fill="hold">
-                      <p:stCondLst>
-                        <p:cond delay="indefinite"/>
-                      </p:stCondLst>
-                      <p:childTnLst>
-                        <p:par>
-                          <p:cTn id="12" fill="hold">
-                            <p:stCondLst>
-                              <p:cond delay="0"/>
-                            </p:stCondLst>
-                            <p:childTnLst>
-                              <p:par>
-                                <p:cTn id="13" presetID="1" presetClass="entr" presetSubtype="0" fill="hold" nodeType="clickEffect">
-                                  <p:stCondLst>
-                                    <p:cond delay="0"/>
-                                  </p:stCondLst>
-                                  <p:childTnLst>
-                                    <p:set>
-                                      <p:cBhvr>
-                                        <p:cTn id="14" dur="1" fill="hold">
-                                          <p:stCondLst>
-                                            <p:cond delay="0"/>
-                                          </p:stCondLst>
-                                        </p:cTn>
-                                        <p:tgtEl>
-                                          <p:spTgt spid="3">
-                                            <p:txEl>
-                                              <p:pRg st="2" end="2"/>
-                                            </p:txEl>
-                                          </p:spTgt>
-                                        </p:tgtEl>
-                                        <p:attrNameLst>
-                                          <p:attrName>style.visibility</p:attrName>
-                                        </p:attrNameLst>
-                                      </p:cBhvr>
-                                      <p:to>
-                                        <p:strVal val="visible"/>
-                                      </p:to>
-                                    </p:set>
-                                  </p:childTnLst>
-                                </p:cTn>
-                              </p:par>
-                            </p:childTnLst>
-                          </p:cTn>
-                        </p:par>
-                      </p:childTnLst>
-                    </p:cTn>
-                  </p:par>
-                </p:childTnLst>
-              </p:cTn>
-              <p:prevCondLst>
-                <p:cond evt="onPrev" delay="0">
-                  <p:tgtEl>
-                    <p:sldTgt/>
-                  </p:tgtEl>
-                </p:cond>
-              </p:prevCondLst>
-              <p:nextCondLst>
-                <p:cond evt="onNext" delay="0">
-                  <p:tgtEl>
-                    <p:sldTgt/>
-                  </p:tgtEl>
-                </p:cond>
-              </p:nextCondLst>
-            </p:seq>
-          </p:childTnLst>
-        </p:cTn>
-      </p:par>
-    </p:tnLst>
-  </p:timing>
 </p:sld>
 </file>
 
@@ -9588,7 +6678,7 @@
           </a:ln>
           <a:extLst>
             <a:ext uri="{C572A759-6A51-4108-AA02-DFA0A04FC94B}">
-              <ma14:wrappingTextBoxFlag xmlns="" xmlns:m="http://schemas.openxmlformats.org/officeDocument/2006/math" xmlns:a14="http://schemas.microsoft.com/office/drawing/2010/main" xmlns:ma14="http://schemas.microsoft.com/office/mac/drawingml/2011/main" val="1"/>
+              <ma14:wrappingTextBoxFlag xmlns:ma14="http://schemas.microsoft.com/office/mac/drawingml/2011/main" xmlns:a14="http://schemas.microsoft.com/office/drawing/2010/main" xmlns:m="http://schemas.openxmlformats.org/officeDocument/2006/math" xmlns="" val="1"/>
             </a:ext>
           </a:extLst>
         </p:spPr>
@@ -10017,7 +7107,7 @@
           </a:ln>
           <a:extLst>
             <a:ext uri="{C572A759-6A51-4108-AA02-DFA0A04FC94B}">
-              <ma14:wrappingTextBoxFlag xmlns="" xmlns:m="http://schemas.openxmlformats.org/officeDocument/2006/math" xmlns:a14="http://schemas.microsoft.com/office/drawing/2010/main" xmlns:ma14="http://schemas.microsoft.com/office/mac/drawingml/2011/main" val="1"/>
+              <ma14:wrappingTextBoxFlag xmlns:ma14="http://schemas.microsoft.com/office/mac/drawingml/2011/main" xmlns:a14="http://schemas.microsoft.com/office/drawing/2010/main" xmlns:m="http://schemas.openxmlformats.org/officeDocument/2006/math" xmlns="" val="1"/>
             </a:ext>
           </a:extLst>
         </p:spPr>
@@ -10438,7 +7528,7 @@
           </a:ln>
           <a:extLst>
             <a:ext uri="{C572A759-6A51-4108-AA02-DFA0A04FC94B}">
-              <ma14:wrappingTextBoxFlag xmlns="" xmlns:m="http://schemas.openxmlformats.org/officeDocument/2006/math" xmlns:a14="http://schemas.microsoft.com/office/drawing/2010/main" xmlns:ma14="http://schemas.microsoft.com/office/mac/drawingml/2011/main" val="1"/>
+              <ma14:wrappingTextBoxFlag xmlns:ma14="http://schemas.microsoft.com/office/mac/drawingml/2011/main" xmlns:a14="http://schemas.microsoft.com/office/drawing/2010/main" xmlns:m="http://schemas.openxmlformats.org/officeDocument/2006/math" xmlns="" val="1"/>
             </a:ext>
           </a:extLst>
         </p:spPr>
@@ -10919,7 +8009,7 @@
           </a:ln>
           <a:extLst>
             <a:ext uri="{C572A759-6A51-4108-AA02-DFA0A04FC94B}">
-              <ma14:wrappingTextBoxFlag xmlns="" xmlns:m="http://schemas.openxmlformats.org/officeDocument/2006/math" xmlns:a14="http://schemas.microsoft.com/office/drawing/2010/main" xmlns:ma14="http://schemas.microsoft.com/office/mac/drawingml/2011/main" val="1"/>
+              <ma14:wrappingTextBoxFlag xmlns:ma14="http://schemas.microsoft.com/office/mac/drawingml/2011/main" xmlns:a14="http://schemas.microsoft.com/office/drawing/2010/main" xmlns:m="http://schemas.openxmlformats.org/officeDocument/2006/math" xmlns="" val="1"/>
             </a:ext>
           </a:extLst>
         </p:spPr>
@@ -12172,6 +9262,12 @@
 </file>
 
 <file path=customXml/item1.xml><?xml version="1.0" encoding="utf-8"?>
+<p:properties xmlns:p="http://schemas.microsoft.com/office/2006/metadata/properties" xmlns:xsi="http://www.w3.org/2001/XMLSchema-instance" xmlns:pc="http://schemas.microsoft.com/office/infopath/2007/PartnerControls">
+  <documentManagement/>
+</p:properties>
+</file>
+
+<file path=customXml/item2.xml><?xml version="1.0" encoding="utf-8"?>
 <ct:contentTypeSchema xmlns:ct="http://schemas.microsoft.com/office/2006/metadata/contentType" xmlns:ma="http://schemas.microsoft.com/office/2006/metadata/properties/metaAttributes" ct:_="" ma:_="" ma:contentTypeName="Document" ma:contentTypeID="0x01010028AAC203550B4E40A8ED4C6A11385C01" ma:contentTypeVersion="11" ma:contentTypeDescription="Create a new document." ma:contentTypeScope="" ma:versionID="181c61fe5df22d1f59c38d74292c5168">
   <xsd:schema xmlns:xsd="http://www.w3.org/2001/XMLSchema" xmlns:xs="http://www.w3.org/2001/XMLSchema" xmlns:p="http://schemas.microsoft.com/office/2006/metadata/properties" xmlns:ns2="af12d3ca-d309-4d9b-872e-f669d895b06e" xmlns:ns3="6354f033-77ec-451f-a4b1-89785309665d" targetNamespace="http://schemas.microsoft.com/office/2006/metadata/properties" ma:root="true" ma:fieldsID="bd40b66ef5728273303597190f92243d" ns2:_="" ns3:_="">
     <xsd:import namespace="af12d3ca-d309-4d9b-872e-f669d895b06e"/>
@@ -12382,12 +9478,6 @@
 </ct:contentTypeSchema>
 </file>
 
-<file path=customXml/item2.xml><?xml version="1.0" encoding="utf-8"?>
-<p:properties xmlns:p="http://schemas.microsoft.com/office/2006/metadata/properties" xmlns:xsi="http://www.w3.org/2001/XMLSchema-instance" xmlns:pc="http://schemas.microsoft.com/office/infopath/2007/PartnerControls">
-  <documentManagement/>
-</p:properties>
-</file>
-
 <file path=customXml/item3.xml><?xml version="1.0" encoding="utf-8"?>
 <?mso-contentType ?>
 <FormTemplates xmlns="http://schemas.microsoft.com/sharepoint/v3/contenttype/forms">
@@ -12398,6 +9488,15 @@
 </file>
 
 <file path=customXml/itemProps1.xml><?xml version="1.0" encoding="utf-8"?>
+<ds:datastoreItem xmlns:ds="http://schemas.openxmlformats.org/officeDocument/2006/customXml" ds:itemID="{C1D56013-FFA3-4AA5-BFCF-7C4A0141612A}">
+  <ds:schemaRefs>
+    <ds:schemaRef ds:uri="http://schemas.microsoft.com/office/2006/metadata/properties"/>
+    <ds:schemaRef ds:uri="http://schemas.microsoft.com/office/infopath/2007/PartnerControls"/>
+  </ds:schemaRefs>
+</ds:datastoreItem>
+</file>
+
+<file path=customXml/itemProps2.xml><?xml version="1.0" encoding="utf-8"?>
 <ds:datastoreItem xmlns:ds="http://schemas.openxmlformats.org/officeDocument/2006/customXml" ds:itemID="{3EE3664A-EA3C-4E18-894D-9B94C9B30BD7}">
   <ds:schemaRefs>
     <ds:schemaRef ds:uri="http://schemas.microsoft.com/office/2006/metadata/contentType"/>
@@ -12416,15 +9515,6 @@
 </ds:datastoreItem>
 </file>
 
-<file path=customXml/itemProps2.xml><?xml version="1.0" encoding="utf-8"?>
-<ds:datastoreItem xmlns:ds="http://schemas.openxmlformats.org/officeDocument/2006/customXml" ds:itemID="{C1D56013-FFA3-4AA5-BFCF-7C4A0141612A}">
-  <ds:schemaRefs>
-    <ds:schemaRef ds:uri="http://schemas.microsoft.com/office/2006/metadata/properties"/>
-    <ds:schemaRef ds:uri="http://schemas.microsoft.com/office/infopath/2007/PartnerControls"/>
-  </ds:schemaRefs>
-</ds:datastoreItem>
-</file>
-
 <file path=customXml/itemProps3.xml><?xml version="1.0" encoding="utf-8"?>
 <ds:datastoreItem xmlns:ds="http://schemas.openxmlformats.org/officeDocument/2006/customXml" ds:itemID="{4E880100-AD93-4165-9435-CF4F80F1243C}">
   <ds:schemaRefs>
